--- a/2020s_w6998/lecs/05_tasks.pptx
+++ b/2020s_w6998/lecs/05_tasks.pptx
@@ -4,15 +4,22 @@
   <p:sldMasterIdLst>
     <p:sldMasterId id="2147483648" r:id="rId1"/>
   </p:sldMasterIdLst>
+  <p:notesMasterIdLst>
+    <p:notesMasterId r:id="rId14"/>
+  </p:notesMasterIdLst>
   <p:sldIdLst>
     <p:sldId id="256" r:id="rId2"/>
-    <p:sldId id="286" r:id="rId3"/>
-    <p:sldId id="290" r:id="rId4"/>
-    <p:sldId id="291" r:id="rId5"/>
-    <p:sldId id="292" r:id="rId6"/>
-    <p:sldId id="293" r:id="rId7"/>
-    <p:sldId id="289" r:id="rId8"/>
-    <p:sldId id="285" r:id="rId9"/>
+    <p:sldId id="257" r:id="rId3"/>
+    <p:sldId id="259" r:id="rId4"/>
+    <p:sldId id="258" r:id="rId5"/>
+    <p:sldId id="261" r:id="rId6"/>
+    <p:sldId id="262" r:id="rId7"/>
+    <p:sldId id="260" r:id="rId8"/>
+    <p:sldId id="265" r:id="rId9"/>
+    <p:sldId id="266" r:id="rId10"/>
+    <p:sldId id="264" r:id="rId11"/>
+    <p:sldId id="267" r:id="rId12"/>
+    <p:sldId id="263" r:id="rId13"/>
   </p:sldIdLst>
   <p:sldSz cx="12192000" cy="6858000"/>
   <p:notesSz cx="6858000" cy="9144000"/>
@@ -119,6 +126,686 @@
 </p:presentation>
 </file>
 
+<file path=ppt/notesMasters/notesMaster1.xml><?xml version="1.0" encoding="utf-8"?>
+<p:notesMaster xmlns:a="http://schemas.openxmlformats.org/drawingml/2006/main" xmlns:r="http://schemas.openxmlformats.org/officeDocument/2006/relationships" xmlns:p="http://schemas.openxmlformats.org/presentationml/2006/main">
+  <p:cSld>
+    <p:bg>
+      <p:bgRef idx="1001">
+        <a:schemeClr val="bg1"/>
+      </p:bgRef>
+    </p:bg>
+    <p:spTree>
+      <p:nvGrpSpPr>
+        <p:cNvPr id="1" name=""/>
+        <p:cNvGrpSpPr/>
+        <p:nvPr/>
+      </p:nvGrpSpPr>
+      <p:grpSpPr>
+        <a:xfrm>
+          <a:off x="0" y="0"/>
+          <a:ext cx="0" cy="0"/>
+          <a:chOff x="0" y="0"/>
+          <a:chExt cx="0" cy="0"/>
+        </a:xfrm>
+      </p:grpSpPr>
+      <p:sp>
+        <p:nvSpPr>
+          <p:cNvPr id="2" name="Header Placeholder 1"/>
+          <p:cNvSpPr>
+            <a:spLocks noGrp="1"/>
+          </p:cNvSpPr>
+          <p:nvPr>
+            <p:ph type="hdr" sz="quarter"/>
+          </p:nvPr>
+        </p:nvSpPr>
+        <p:spPr>
+          <a:xfrm>
+            <a:off x="0" y="0"/>
+            <a:ext cx="2971800" cy="458788"/>
+          </a:xfrm>
+          <a:prstGeom prst="rect">
+            <a:avLst/>
+          </a:prstGeom>
+        </p:spPr>
+        <p:txBody>
+          <a:bodyPr vert="horz" lIns="91440" tIns="45720" rIns="91440" bIns="45720" rtlCol="0"/>
+          <a:lstStyle>
+            <a:lvl1pPr algn="l">
+              <a:defRPr sz="1200"/>
+            </a:lvl1pPr>
+          </a:lstStyle>
+          <a:p>
+            <a:endParaRPr lang="en-US"/>
+          </a:p>
+        </p:txBody>
+      </p:sp>
+      <p:sp>
+        <p:nvSpPr>
+          <p:cNvPr id="3" name="Date Placeholder 2"/>
+          <p:cNvSpPr>
+            <a:spLocks noGrp="1"/>
+          </p:cNvSpPr>
+          <p:nvPr>
+            <p:ph type="dt" idx="1"/>
+          </p:nvPr>
+        </p:nvSpPr>
+        <p:spPr>
+          <a:xfrm>
+            <a:off x="3884613" y="0"/>
+            <a:ext cx="2971800" cy="458788"/>
+          </a:xfrm>
+          <a:prstGeom prst="rect">
+            <a:avLst/>
+          </a:prstGeom>
+        </p:spPr>
+        <p:txBody>
+          <a:bodyPr vert="horz" lIns="91440" tIns="45720" rIns="91440" bIns="45720" rtlCol="0"/>
+          <a:lstStyle>
+            <a:lvl1pPr algn="r">
+              <a:defRPr sz="1200"/>
+            </a:lvl1pPr>
+          </a:lstStyle>
+          <a:p>
+            <a:fld id="{960F9D23-FA9B-F64E-A81B-360A9A7BF448}" type="datetimeFigureOut">
+              <a:rPr lang="en-US" smtClean="0"/>
+              <a:t>2/19/20</a:t>
+            </a:fld>
+            <a:endParaRPr lang="en-US"/>
+          </a:p>
+        </p:txBody>
+      </p:sp>
+      <p:sp>
+        <p:nvSpPr>
+          <p:cNvPr id="4" name="Slide Image Placeholder 3"/>
+          <p:cNvSpPr>
+            <a:spLocks noGrp="1" noRot="1" noChangeAspect="1"/>
+          </p:cNvSpPr>
+          <p:nvPr>
+            <p:ph type="sldImg" idx="2"/>
+          </p:nvPr>
+        </p:nvSpPr>
+        <p:spPr>
+          <a:xfrm>
+            <a:off x="685800" y="1143000"/>
+            <a:ext cx="5486400" cy="3086100"/>
+          </a:xfrm>
+          <a:prstGeom prst="rect">
+            <a:avLst/>
+          </a:prstGeom>
+          <a:noFill/>
+          <a:ln w="12700">
+            <a:solidFill>
+              <a:prstClr val="black"/>
+            </a:solidFill>
+          </a:ln>
+        </p:spPr>
+        <p:txBody>
+          <a:bodyPr vert="horz" lIns="91440" tIns="45720" rIns="91440" bIns="45720" rtlCol="0" anchor="ctr"/>
+          <a:lstStyle/>
+          <a:p>
+            <a:endParaRPr lang="en-US"/>
+          </a:p>
+        </p:txBody>
+      </p:sp>
+      <p:sp>
+        <p:nvSpPr>
+          <p:cNvPr id="5" name="Notes Placeholder 4"/>
+          <p:cNvSpPr>
+            <a:spLocks noGrp="1"/>
+          </p:cNvSpPr>
+          <p:nvPr>
+            <p:ph type="body" sz="quarter" idx="3"/>
+          </p:nvPr>
+        </p:nvSpPr>
+        <p:spPr>
+          <a:xfrm>
+            <a:off x="685800" y="4400550"/>
+            <a:ext cx="5486400" cy="3600450"/>
+          </a:xfrm>
+          <a:prstGeom prst="rect">
+            <a:avLst/>
+          </a:prstGeom>
+        </p:spPr>
+        <p:txBody>
+          <a:bodyPr vert="horz" lIns="91440" tIns="45720" rIns="91440" bIns="45720" rtlCol="0"/>
+          <a:lstStyle/>
+          <a:p>
+            <a:pPr lvl="0"/>
+            <a:r>
+              <a:rPr lang="en-US" smtClean="0"/>
+              <a:t>Click to edit Master text styles</a:t>
+            </a:r>
+          </a:p>
+          <a:p>
+            <a:pPr lvl="1"/>
+            <a:r>
+              <a:rPr lang="en-US" smtClean="0"/>
+              <a:t>Second level</a:t>
+            </a:r>
+          </a:p>
+          <a:p>
+            <a:pPr lvl="2"/>
+            <a:r>
+              <a:rPr lang="en-US" smtClean="0"/>
+              <a:t>Third level</a:t>
+            </a:r>
+          </a:p>
+          <a:p>
+            <a:pPr lvl="3"/>
+            <a:r>
+              <a:rPr lang="en-US" smtClean="0"/>
+              <a:t>Fourth level</a:t>
+            </a:r>
+          </a:p>
+          <a:p>
+            <a:pPr lvl="4"/>
+            <a:r>
+              <a:rPr lang="en-US" smtClean="0"/>
+              <a:t>Fifth level</a:t>
+            </a:r>
+            <a:endParaRPr lang="en-US"/>
+          </a:p>
+        </p:txBody>
+      </p:sp>
+      <p:sp>
+        <p:nvSpPr>
+          <p:cNvPr id="6" name="Footer Placeholder 5"/>
+          <p:cNvSpPr>
+            <a:spLocks noGrp="1"/>
+          </p:cNvSpPr>
+          <p:nvPr>
+            <p:ph type="ftr" sz="quarter" idx="4"/>
+          </p:nvPr>
+        </p:nvSpPr>
+        <p:spPr>
+          <a:xfrm>
+            <a:off x="0" y="8685213"/>
+            <a:ext cx="2971800" cy="458787"/>
+          </a:xfrm>
+          <a:prstGeom prst="rect">
+            <a:avLst/>
+          </a:prstGeom>
+        </p:spPr>
+        <p:txBody>
+          <a:bodyPr vert="horz" lIns="91440" tIns="45720" rIns="91440" bIns="45720" rtlCol="0" anchor="b"/>
+          <a:lstStyle>
+            <a:lvl1pPr algn="l">
+              <a:defRPr sz="1200"/>
+            </a:lvl1pPr>
+          </a:lstStyle>
+          <a:p>
+            <a:endParaRPr lang="en-US"/>
+          </a:p>
+        </p:txBody>
+      </p:sp>
+      <p:sp>
+        <p:nvSpPr>
+          <p:cNvPr id="7" name="Slide Number Placeholder 6"/>
+          <p:cNvSpPr>
+            <a:spLocks noGrp="1"/>
+          </p:cNvSpPr>
+          <p:nvPr>
+            <p:ph type="sldNum" sz="quarter" idx="5"/>
+          </p:nvPr>
+        </p:nvSpPr>
+        <p:spPr>
+          <a:xfrm>
+            <a:off x="3884613" y="8685213"/>
+            <a:ext cx="2971800" cy="458787"/>
+          </a:xfrm>
+          <a:prstGeom prst="rect">
+            <a:avLst/>
+          </a:prstGeom>
+        </p:spPr>
+        <p:txBody>
+          <a:bodyPr vert="horz" lIns="91440" tIns="45720" rIns="91440" bIns="45720" rtlCol="0" anchor="b"/>
+          <a:lstStyle>
+            <a:lvl1pPr algn="r">
+              <a:defRPr sz="1200"/>
+            </a:lvl1pPr>
+          </a:lstStyle>
+          <a:p>
+            <a:fld id="{2E4A8955-ECBC-A647-A56E-6EF1E83FE798}" type="slidenum">
+              <a:rPr lang="en-US" smtClean="0"/>
+              <a:t>‹#›</a:t>
+            </a:fld>
+            <a:endParaRPr lang="en-US"/>
+          </a:p>
+        </p:txBody>
+      </p:sp>
+    </p:spTree>
+    <p:extLst>
+      <p:ext uri="{BB962C8B-B14F-4D97-AF65-F5344CB8AC3E}">
+        <p14:creationId xmlns:p14="http://schemas.microsoft.com/office/powerpoint/2010/main" val="1667753921"/>
+      </p:ext>
+    </p:extLst>
+  </p:cSld>
+  <p:clrMap bg1="lt1" tx1="dk1" bg2="lt2" tx2="dk2" accent1="accent1" accent2="accent2" accent3="accent3" accent4="accent4" accent5="accent5" accent6="accent6" hlink="hlink" folHlink="folHlink"/>
+  <p:notesStyle>
+    <a:lvl1pPr marL="0" algn="l" defTabSz="914400" rtl="0" eaLnBrk="1" latinLnBrk="0" hangingPunct="1">
+      <a:defRPr sz="1200" kern="1200">
+        <a:solidFill>
+          <a:schemeClr val="tx1"/>
+        </a:solidFill>
+        <a:latin typeface="+mn-lt"/>
+        <a:ea typeface="+mn-ea"/>
+        <a:cs typeface="+mn-cs"/>
+      </a:defRPr>
+    </a:lvl1pPr>
+    <a:lvl2pPr marL="457200" algn="l" defTabSz="914400" rtl="0" eaLnBrk="1" latinLnBrk="0" hangingPunct="1">
+      <a:defRPr sz="1200" kern="1200">
+        <a:solidFill>
+          <a:schemeClr val="tx1"/>
+        </a:solidFill>
+        <a:latin typeface="+mn-lt"/>
+        <a:ea typeface="+mn-ea"/>
+        <a:cs typeface="+mn-cs"/>
+      </a:defRPr>
+    </a:lvl2pPr>
+    <a:lvl3pPr marL="914400" algn="l" defTabSz="914400" rtl="0" eaLnBrk="1" latinLnBrk="0" hangingPunct="1">
+      <a:defRPr sz="1200" kern="1200">
+        <a:solidFill>
+          <a:schemeClr val="tx1"/>
+        </a:solidFill>
+        <a:latin typeface="+mn-lt"/>
+        <a:ea typeface="+mn-ea"/>
+        <a:cs typeface="+mn-cs"/>
+      </a:defRPr>
+    </a:lvl3pPr>
+    <a:lvl4pPr marL="1371600" algn="l" defTabSz="914400" rtl="0" eaLnBrk="1" latinLnBrk="0" hangingPunct="1">
+      <a:defRPr sz="1200" kern="1200">
+        <a:solidFill>
+          <a:schemeClr val="tx1"/>
+        </a:solidFill>
+        <a:latin typeface="+mn-lt"/>
+        <a:ea typeface="+mn-ea"/>
+        <a:cs typeface="+mn-cs"/>
+      </a:defRPr>
+    </a:lvl4pPr>
+    <a:lvl5pPr marL="1828800" algn="l" defTabSz="914400" rtl="0" eaLnBrk="1" latinLnBrk="0" hangingPunct="1">
+      <a:defRPr sz="1200" kern="1200">
+        <a:solidFill>
+          <a:schemeClr val="tx1"/>
+        </a:solidFill>
+        <a:latin typeface="+mn-lt"/>
+        <a:ea typeface="+mn-ea"/>
+        <a:cs typeface="+mn-cs"/>
+      </a:defRPr>
+    </a:lvl5pPr>
+    <a:lvl6pPr marL="2286000" algn="l" defTabSz="914400" rtl="0" eaLnBrk="1" latinLnBrk="0" hangingPunct="1">
+      <a:defRPr sz="1200" kern="1200">
+        <a:solidFill>
+          <a:schemeClr val="tx1"/>
+        </a:solidFill>
+        <a:latin typeface="+mn-lt"/>
+        <a:ea typeface="+mn-ea"/>
+        <a:cs typeface="+mn-cs"/>
+      </a:defRPr>
+    </a:lvl6pPr>
+    <a:lvl7pPr marL="2743200" algn="l" defTabSz="914400" rtl="0" eaLnBrk="1" latinLnBrk="0" hangingPunct="1">
+      <a:defRPr sz="1200" kern="1200">
+        <a:solidFill>
+          <a:schemeClr val="tx1"/>
+        </a:solidFill>
+        <a:latin typeface="+mn-lt"/>
+        <a:ea typeface="+mn-ea"/>
+        <a:cs typeface="+mn-cs"/>
+      </a:defRPr>
+    </a:lvl7pPr>
+    <a:lvl8pPr marL="3200400" algn="l" defTabSz="914400" rtl="0" eaLnBrk="1" latinLnBrk="0" hangingPunct="1">
+      <a:defRPr sz="1200" kern="1200">
+        <a:solidFill>
+          <a:schemeClr val="tx1"/>
+        </a:solidFill>
+        <a:latin typeface="+mn-lt"/>
+        <a:ea typeface="+mn-ea"/>
+        <a:cs typeface="+mn-cs"/>
+      </a:defRPr>
+    </a:lvl8pPr>
+    <a:lvl9pPr marL="3657600" algn="l" defTabSz="914400" rtl="0" eaLnBrk="1" latinLnBrk="0" hangingPunct="1">
+      <a:defRPr sz="1200" kern="1200">
+        <a:solidFill>
+          <a:schemeClr val="tx1"/>
+        </a:solidFill>
+        <a:latin typeface="+mn-lt"/>
+        <a:ea typeface="+mn-ea"/>
+        <a:cs typeface="+mn-cs"/>
+      </a:defRPr>
+    </a:lvl9pPr>
+  </p:notesStyle>
+</p:notesMaster>
+</file>
+
+<file path=ppt/notesSlides/notesSlide1.xml><?xml version="1.0" encoding="utf-8"?>
+<p:notes xmlns:a="http://schemas.openxmlformats.org/drawingml/2006/main" xmlns:r="http://schemas.openxmlformats.org/officeDocument/2006/relationships" xmlns:p="http://schemas.openxmlformats.org/presentationml/2006/main">
+  <p:cSld>
+    <p:spTree>
+      <p:nvGrpSpPr>
+        <p:cNvPr id="1" name=""/>
+        <p:cNvGrpSpPr/>
+        <p:nvPr/>
+      </p:nvGrpSpPr>
+      <p:grpSpPr>
+        <a:xfrm>
+          <a:off x="0" y="0"/>
+          <a:ext cx="0" cy="0"/>
+          <a:chOff x="0" y="0"/>
+          <a:chExt cx="0" cy="0"/>
+        </a:xfrm>
+      </p:grpSpPr>
+      <p:sp>
+        <p:nvSpPr>
+          <p:cNvPr id="2" name="Slide Image Placeholder 1"/>
+          <p:cNvSpPr>
+            <a:spLocks noGrp="1" noRot="1" noChangeAspect="1"/>
+          </p:cNvSpPr>
+          <p:nvPr>
+            <p:ph type="sldImg"/>
+          </p:nvPr>
+        </p:nvSpPr>
+        <p:spPr/>
+      </p:sp>
+      <p:sp>
+        <p:nvSpPr>
+          <p:cNvPr id="3" name="Notes Placeholder 2"/>
+          <p:cNvSpPr>
+            <a:spLocks noGrp="1"/>
+          </p:cNvSpPr>
+          <p:nvPr>
+            <p:ph type="body" idx="1"/>
+          </p:nvPr>
+        </p:nvSpPr>
+        <p:spPr/>
+        <p:txBody>
+          <a:bodyPr/>
+          <a:lstStyle/>
+          <a:p>
+            <a:r>
+              <a:rPr lang="en-US" dirty="0" smtClean="0"/>
+              <a:t> * early </a:t>
+            </a:r>
+            <a:r>
+              <a:rPr lang="en-US" dirty="0" err="1" smtClean="0"/>
+              <a:t>webvis</a:t>
+            </a:r>
+            <a:r>
+              <a:rPr lang="en-US" dirty="0" smtClean="0"/>
+              <a:t> papers soled "lost in hyperspace" by rendering</a:t>
+            </a:r>
+            <a:r>
+              <a:rPr lang="en-US" baseline="0" dirty="0" smtClean="0"/>
+              <a:t> </a:t>
+            </a:r>
+            <a:r>
+              <a:rPr lang="en-US" dirty="0" smtClean="0"/>
+              <a:t>the web's hyperlink topological structures.  Not useful, and no idiom/algorithm could solve it, since it only added to</a:t>
+            </a:r>
+            <a:r>
+              <a:rPr lang="en-US" baseline="0" dirty="0" smtClean="0"/>
+              <a:t> </a:t>
+            </a:r>
+            <a:r>
+              <a:rPr lang="en-US" dirty="0" smtClean="0"/>
+              <a:t> user cognitive load</a:t>
+            </a:r>
+            <a:endParaRPr lang="en-US" dirty="0"/>
+          </a:p>
+        </p:txBody>
+      </p:sp>
+      <p:sp>
+        <p:nvSpPr>
+          <p:cNvPr id="4" name="Slide Number Placeholder 3"/>
+          <p:cNvSpPr>
+            <a:spLocks noGrp="1"/>
+          </p:cNvSpPr>
+          <p:nvPr>
+            <p:ph type="sldNum" sz="quarter" idx="10"/>
+          </p:nvPr>
+        </p:nvSpPr>
+        <p:spPr/>
+        <p:txBody>
+          <a:bodyPr/>
+          <a:lstStyle/>
+          <a:p>
+            <a:fld id="{2E4A8955-ECBC-A647-A56E-6EF1E83FE798}" type="slidenum">
+              <a:rPr lang="en-US" smtClean="0"/>
+              <a:t>5</a:t>
+            </a:fld>
+            <a:endParaRPr lang="en-US"/>
+          </a:p>
+        </p:txBody>
+      </p:sp>
+    </p:spTree>
+    <p:extLst>
+      <p:ext uri="{BB962C8B-B14F-4D97-AF65-F5344CB8AC3E}">
+        <p14:creationId xmlns:p14="http://schemas.microsoft.com/office/powerpoint/2010/main" val="983589603"/>
+      </p:ext>
+    </p:extLst>
+  </p:cSld>
+  <p:clrMapOvr>
+    <a:masterClrMapping/>
+  </p:clrMapOvr>
+</p:notes>
+</file>
+
+<file path=ppt/notesSlides/notesSlide2.xml><?xml version="1.0" encoding="utf-8"?>
+<p:notes xmlns:a="http://schemas.openxmlformats.org/drawingml/2006/main" xmlns:r="http://schemas.openxmlformats.org/officeDocument/2006/relationships" xmlns:p="http://schemas.openxmlformats.org/presentationml/2006/main">
+  <p:cSld>
+    <p:spTree>
+      <p:nvGrpSpPr>
+        <p:cNvPr id="1" name=""/>
+        <p:cNvGrpSpPr/>
+        <p:nvPr/>
+      </p:nvGrpSpPr>
+      <p:grpSpPr>
+        <a:xfrm>
+          <a:off x="0" y="0"/>
+          <a:ext cx="0" cy="0"/>
+          <a:chOff x="0" y="0"/>
+          <a:chExt cx="0" cy="0"/>
+        </a:xfrm>
+      </p:grpSpPr>
+      <p:sp>
+        <p:nvSpPr>
+          <p:cNvPr id="2" name="Slide Image Placeholder 1"/>
+          <p:cNvSpPr>
+            <a:spLocks noGrp="1" noRot="1" noChangeAspect="1"/>
+          </p:cNvSpPr>
+          <p:nvPr>
+            <p:ph type="sldImg"/>
+          </p:nvPr>
+        </p:nvSpPr>
+        <p:spPr/>
+      </p:sp>
+      <p:sp>
+        <p:nvSpPr>
+          <p:cNvPr id="3" name="Notes Placeholder 2"/>
+          <p:cNvSpPr>
+            <a:spLocks noGrp="1"/>
+          </p:cNvSpPr>
+          <p:nvPr>
+            <p:ph type="body" idx="1"/>
+          </p:nvPr>
+        </p:nvSpPr>
+        <p:spPr/>
+        <p:txBody>
+          <a:bodyPr/>
+          <a:lstStyle/>
+          <a:p>
+            <a:r>
+              <a:rPr lang="en-US" dirty="0" smtClean="0"/>
+              <a:t> * early </a:t>
+            </a:r>
+            <a:r>
+              <a:rPr lang="en-US" dirty="0" err="1" smtClean="0"/>
+              <a:t>webvis</a:t>
+            </a:r>
+            <a:r>
+              <a:rPr lang="en-US" dirty="0" smtClean="0"/>
+              <a:t> papers soled "lost in hyperspace" by rendering</a:t>
+            </a:r>
+            <a:r>
+              <a:rPr lang="en-US" baseline="0" dirty="0" smtClean="0"/>
+              <a:t> </a:t>
+            </a:r>
+            <a:r>
+              <a:rPr lang="en-US" dirty="0" smtClean="0"/>
+              <a:t>the web's hyperlink topological structures.  Not useful</a:t>
+            </a:r>
+            <a:r>
+              <a:rPr lang="en-US" smtClean="0"/>
+              <a:t>, and </a:t>
+            </a:r>
+            <a:r>
+              <a:rPr lang="en-US" dirty="0" smtClean="0"/>
+              <a:t>no idiom/algorithm could solve it, since it only </a:t>
+            </a:r>
+            <a:r>
+              <a:rPr lang="en-US" smtClean="0"/>
+              <a:t>added to</a:t>
+            </a:r>
+            <a:r>
+              <a:rPr lang="en-US" baseline="0" smtClean="0"/>
+              <a:t> </a:t>
+            </a:r>
+            <a:r>
+              <a:rPr lang="en-US" smtClean="0"/>
+              <a:t> </a:t>
+            </a:r>
+            <a:r>
+              <a:rPr lang="en-US" dirty="0" smtClean="0"/>
+              <a:t>user cognitive load</a:t>
+            </a:r>
+            <a:endParaRPr lang="en-US" dirty="0"/>
+          </a:p>
+        </p:txBody>
+      </p:sp>
+      <p:sp>
+        <p:nvSpPr>
+          <p:cNvPr id="4" name="Slide Number Placeholder 3"/>
+          <p:cNvSpPr>
+            <a:spLocks noGrp="1"/>
+          </p:cNvSpPr>
+          <p:nvPr>
+            <p:ph type="sldNum" sz="quarter" idx="10"/>
+          </p:nvPr>
+        </p:nvSpPr>
+        <p:spPr/>
+        <p:txBody>
+          <a:bodyPr/>
+          <a:lstStyle/>
+          <a:p>
+            <a:fld id="{2E4A8955-ECBC-A647-A56E-6EF1E83FE798}" type="slidenum">
+              <a:rPr lang="en-US" smtClean="0"/>
+              <a:t>6</a:t>
+            </a:fld>
+            <a:endParaRPr lang="en-US"/>
+          </a:p>
+        </p:txBody>
+      </p:sp>
+    </p:spTree>
+    <p:extLst>
+      <p:ext uri="{BB962C8B-B14F-4D97-AF65-F5344CB8AC3E}">
+        <p14:creationId xmlns:p14="http://schemas.microsoft.com/office/powerpoint/2010/main" val="472906868"/>
+      </p:ext>
+    </p:extLst>
+  </p:cSld>
+  <p:clrMapOvr>
+    <a:masterClrMapping/>
+  </p:clrMapOvr>
+</p:notes>
+</file>
+
+<file path=ppt/notesSlides/notesSlide3.xml><?xml version="1.0" encoding="utf-8"?>
+<p:notes xmlns:a="http://schemas.openxmlformats.org/drawingml/2006/main" xmlns:r="http://schemas.openxmlformats.org/officeDocument/2006/relationships" xmlns:p="http://schemas.openxmlformats.org/presentationml/2006/main">
+  <p:cSld>
+    <p:spTree>
+      <p:nvGrpSpPr>
+        <p:cNvPr id="1" name=""/>
+        <p:cNvGrpSpPr/>
+        <p:nvPr/>
+      </p:nvGrpSpPr>
+      <p:grpSpPr>
+        <a:xfrm>
+          <a:off x="0" y="0"/>
+          <a:ext cx="0" cy="0"/>
+          <a:chOff x="0" y="0"/>
+          <a:chExt cx="0" cy="0"/>
+        </a:xfrm>
+      </p:grpSpPr>
+      <p:sp>
+        <p:nvSpPr>
+          <p:cNvPr id="2" name="Slide Image Placeholder 1"/>
+          <p:cNvSpPr>
+            <a:spLocks noGrp="1" noRot="1" noChangeAspect="1"/>
+          </p:cNvSpPr>
+          <p:nvPr>
+            <p:ph type="sldImg"/>
+          </p:nvPr>
+        </p:nvSpPr>
+        <p:spPr/>
+      </p:sp>
+      <p:sp>
+        <p:nvSpPr>
+          <p:cNvPr id="3" name="Notes Placeholder 2"/>
+          <p:cNvSpPr>
+            <a:spLocks noGrp="1"/>
+          </p:cNvSpPr>
+          <p:nvPr>
+            <p:ph type="body" idx="1"/>
+          </p:nvPr>
+        </p:nvSpPr>
+        <p:spPr/>
+        <p:txBody>
+          <a:bodyPr/>
+          <a:lstStyle/>
+          <a:p>
+            <a:r>
+              <a:rPr lang="en-US" dirty="0" smtClean="0">
+                <a:hlinkClick r:id="rId3"/>
+              </a:rPr>
+              <a:t>https://www.nytimes.com/interactive/2015/02/23/business/economy/the-changing-nature-of-middle-class-jobs.html</a:t>
+            </a:r>
+            <a:endParaRPr lang="en-US" dirty="0"/>
+          </a:p>
+        </p:txBody>
+      </p:sp>
+      <p:sp>
+        <p:nvSpPr>
+          <p:cNvPr id="4" name="Slide Number Placeholder 3"/>
+          <p:cNvSpPr>
+            <a:spLocks noGrp="1"/>
+          </p:cNvSpPr>
+          <p:nvPr>
+            <p:ph type="sldNum" sz="quarter" idx="10"/>
+          </p:nvPr>
+        </p:nvSpPr>
+        <p:spPr/>
+        <p:txBody>
+          <a:bodyPr/>
+          <a:lstStyle/>
+          <a:p>
+            <a:fld id="{2E4A8955-ECBC-A647-A56E-6EF1E83FE798}" type="slidenum">
+              <a:rPr lang="en-US" smtClean="0"/>
+              <a:t>10</a:t>
+            </a:fld>
+            <a:endParaRPr lang="en-US"/>
+          </a:p>
+        </p:txBody>
+      </p:sp>
+    </p:spTree>
+    <p:extLst>
+      <p:ext uri="{BB962C8B-B14F-4D97-AF65-F5344CB8AC3E}">
+        <p14:creationId xmlns:p14="http://schemas.microsoft.com/office/powerpoint/2010/main" val="1655026855"/>
+      </p:ext>
+    </p:extLst>
+  </p:cSld>
+  <p:clrMapOvr>
+    <a:masterClrMapping/>
+  </p:clrMapOvr>
+</p:notes>
+</file>
+
 <file path=ppt/slideLayouts/slideLayout1.xml><?xml version="1.0" encoding="utf-8"?>
 <p:sldLayout xmlns:a="http://schemas.openxmlformats.org/drawingml/2006/main" xmlns:r="http://schemas.openxmlformats.org/officeDocument/2006/relationships" xmlns:p="http://schemas.openxmlformats.org/presentationml/2006/main" type="title" preserve="1">
   <p:cSld name="Title Slide">
@@ -167,9 +854,10 @@
           </a:lstStyle>
           <a:p>
             <a:r>
-              <a:rPr lang="en-US"/>
+              <a:rPr lang="en-US" smtClean="0"/>
               <a:t>Click to edit Master title style</a:t>
             </a:r>
+            <a:endParaRPr lang="en-US"/>
           </a:p>
         </p:txBody>
       </p:sp>
@@ -237,9 +925,10 @@
           </a:lstStyle>
           <a:p>
             <a:r>
-              <a:rPr lang="en-US"/>
+              <a:rPr lang="en-US" smtClean="0"/>
               <a:t>Click to edit Master subtitle style</a:t>
             </a:r>
+            <a:endParaRPr lang="en-US"/>
           </a:p>
         </p:txBody>
       </p:sp>
@@ -266,7 +955,7 @@
           <a:p>
             <a:fld id="{D077B7F3-A623-604C-9FA0-35347E68EB54}" type="datetimeFigureOut">
               <a:rPr lang="en-US" smtClean="0"/>
-              <a:t>2/15/20</a:t>
+              <a:t>2/19/20</a:t>
             </a:fld>
             <a:endParaRPr lang="en-US"/>
           </a:p>
@@ -378,9 +1067,10 @@
           <a:lstStyle/>
           <a:p>
             <a:r>
-              <a:rPr lang="en-US"/>
+              <a:rPr lang="en-US" smtClean="0"/>
               <a:t>Click to edit Master title style</a:t>
             </a:r>
+            <a:endParaRPr lang="en-US"/>
           </a:p>
         </p:txBody>
       </p:sp>
@@ -407,37 +1097,38 @@
           <a:p>
             <a:pPr lvl="0"/>
             <a:r>
-              <a:rPr lang="en-US"/>
+              <a:rPr lang="en-US" smtClean="0"/>
               <a:t>Click to edit Master text styles</a:t>
             </a:r>
           </a:p>
           <a:p>
             <a:pPr lvl="1"/>
             <a:r>
-              <a:rPr lang="en-US"/>
+              <a:rPr lang="en-US" smtClean="0"/>
               <a:t>Second level</a:t>
             </a:r>
           </a:p>
           <a:p>
             <a:pPr lvl="2"/>
             <a:r>
-              <a:rPr lang="en-US"/>
+              <a:rPr lang="en-US" smtClean="0"/>
               <a:t>Third level</a:t>
             </a:r>
           </a:p>
           <a:p>
             <a:pPr lvl="3"/>
             <a:r>
-              <a:rPr lang="en-US"/>
+              <a:rPr lang="en-US" smtClean="0"/>
               <a:t>Fourth level</a:t>
             </a:r>
           </a:p>
           <a:p>
             <a:pPr lvl="4"/>
             <a:r>
-              <a:rPr lang="en-US"/>
+              <a:rPr lang="en-US" smtClean="0"/>
               <a:t>Fifth level</a:t>
             </a:r>
+            <a:endParaRPr lang="en-US"/>
           </a:p>
         </p:txBody>
       </p:sp>
@@ -464,7 +1155,7 @@
           <a:p>
             <a:fld id="{D077B7F3-A623-604C-9FA0-35347E68EB54}" type="datetimeFigureOut">
               <a:rPr lang="en-US" smtClean="0"/>
-              <a:t>2/15/20</a:t>
+              <a:t>2/19/20</a:t>
             </a:fld>
             <a:endParaRPr lang="en-US"/>
           </a:p>
@@ -581,9 +1272,10 @@
           <a:lstStyle/>
           <a:p>
             <a:r>
-              <a:rPr lang="en-US"/>
+              <a:rPr lang="en-US" smtClean="0"/>
               <a:t>Click to edit Master title style</a:t>
             </a:r>
+            <a:endParaRPr lang="en-US"/>
           </a:p>
         </p:txBody>
       </p:sp>
@@ -615,37 +1307,38 @@
           <a:p>
             <a:pPr lvl="0"/>
             <a:r>
-              <a:rPr lang="en-US"/>
+              <a:rPr lang="en-US" smtClean="0"/>
               <a:t>Click to edit Master text styles</a:t>
             </a:r>
           </a:p>
           <a:p>
             <a:pPr lvl="1"/>
             <a:r>
-              <a:rPr lang="en-US"/>
+              <a:rPr lang="en-US" smtClean="0"/>
               <a:t>Second level</a:t>
             </a:r>
           </a:p>
           <a:p>
             <a:pPr lvl="2"/>
             <a:r>
-              <a:rPr lang="en-US"/>
+              <a:rPr lang="en-US" smtClean="0"/>
               <a:t>Third level</a:t>
             </a:r>
           </a:p>
           <a:p>
             <a:pPr lvl="3"/>
             <a:r>
-              <a:rPr lang="en-US"/>
+              <a:rPr lang="en-US" smtClean="0"/>
               <a:t>Fourth level</a:t>
             </a:r>
           </a:p>
           <a:p>
             <a:pPr lvl="4"/>
             <a:r>
-              <a:rPr lang="en-US"/>
+              <a:rPr lang="en-US" smtClean="0"/>
               <a:t>Fifth level</a:t>
             </a:r>
+            <a:endParaRPr lang="en-US"/>
           </a:p>
         </p:txBody>
       </p:sp>
@@ -672,7 +1365,7 @@
           <a:p>
             <a:fld id="{D077B7F3-A623-604C-9FA0-35347E68EB54}" type="datetimeFigureOut">
               <a:rPr lang="en-US" smtClean="0"/>
-              <a:t>2/15/20</a:t>
+              <a:t>2/19/20</a:t>
             </a:fld>
             <a:endParaRPr lang="en-US"/>
           </a:p>
@@ -784,9 +1477,10 @@
           <a:lstStyle/>
           <a:p>
             <a:r>
-              <a:rPr lang="en-US"/>
+              <a:rPr lang="en-US" smtClean="0"/>
               <a:t>Click to edit Master title style</a:t>
             </a:r>
+            <a:endParaRPr lang="en-US"/>
           </a:p>
         </p:txBody>
       </p:sp>
@@ -813,37 +1507,38 @@
           <a:p>
             <a:pPr lvl="0"/>
             <a:r>
-              <a:rPr lang="en-US"/>
+              <a:rPr lang="en-US" smtClean="0"/>
               <a:t>Click to edit Master text styles</a:t>
             </a:r>
           </a:p>
           <a:p>
             <a:pPr lvl="1"/>
             <a:r>
-              <a:rPr lang="en-US"/>
+              <a:rPr lang="en-US" smtClean="0"/>
               <a:t>Second level</a:t>
             </a:r>
           </a:p>
           <a:p>
             <a:pPr lvl="2"/>
             <a:r>
-              <a:rPr lang="en-US"/>
+              <a:rPr lang="en-US" smtClean="0"/>
               <a:t>Third level</a:t>
             </a:r>
           </a:p>
           <a:p>
             <a:pPr lvl="3"/>
             <a:r>
-              <a:rPr lang="en-US"/>
+              <a:rPr lang="en-US" smtClean="0"/>
               <a:t>Fourth level</a:t>
             </a:r>
           </a:p>
           <a:p>
             <a:pPr lvl="4"/>
             <a:r>
-              <a:rPr lang="en-US"/>
+              <a:rPr lang="en-US" smtClean="0"/>
               <a:t>Fifth level</a:t>
             </a:r>
+            <a:endParaRPr lang="en-US"/>
           </a:p>
         </p:txBody>
       </p:sp>
@@ -870,7 +1565,7 @@
           <a:p>
             <a:fld id="{D077B7F3-A623-604C-9FA0-35347E68EB54}" type="datetimeFigureOut">
               <a:rPr lang="en-US" smtClean="0"/>
-              <a:t>2/15/20</a:t>
+              <a:t>2/19/20</a:t>
             </a:fld>
             <a:endParaRPr lang="en-US"/>
           </a:p>
@@ -991,9 +1686,10 @@
           </a:lstStyle>
           <a:p>
             <a:r>
-              <a:rPr lang="en-US"/>
+              <a:rPr lang="en-US" smtClean="0"/>
               <a:t>Click to edit Master title style</a:t>
             </a:r>
+            <a:endParaRPr lang="en-US"/>
           </a:p>
         </p:txBody>
       </p:sp>
@@ -1116,7 +1812,7 @@
           <a:p>
             <a:pPr lvl="0"/>
             <a:r>
-              <a:rPr lang="en-US"/>
+              <a:rPr lang="en-US" smtClean="0"/>
               <a:t>Click to edit Master text styles</a:t>
             </a:r>
           </a:p>
@@ -1145,7 +1841,7 @@
           <a:p>
             <a:fld id="{D077B7F3-A623-604C-9FA0-35347E68EB54}" type="datetimeFigureOut">
               <a:rPr lang="en-US" smtClean="0"/>
-              <a:t>2/15/20</a:t>
+              <a:t>2/19/20</a:t>
             </a:fld>
             <a:endParaRPr lang="en-US"/>
           </a:p>
@@ -1257,9 +1953,10 @@
           <a:lstStyle/>
           <a:p>
             <a:r>
-              <a:rPr lang="en-US"/>
+              <a:rPr lang="en-US" smtClean="0"/>
               <a:t>Click to edit Master title style</a:t>
             </a:r>
+            <a:endParaRPr lang="en-US"/>
           </a:p>
         </p:txBody>
       </p:sp>
@@ -1291,37 +1988,38 @@
           <a:p>
             <a:pPr lvl="0"/>
             <a:r>
-              <a:rPr lang="en-US"/>
+              <a:rPr lang="en-US" smtClean="0"/>
               <a:t>Click to edit Master text styles</a:t>
             </a:r>
           </a:p>
           <a:p>
             <a:pPr lvl="1"/>
             <a:r>
-              <a:rPr lang="en-US"/>
+              <a:rPr lang="en-US" smtClean="0"/>
               <a:t>Second level</a:t>
             </a:r>
           </a:p>
           <a:p>
             <a:pPr lvl="2"/>
             <a:r>
-              <a:rPr lang="en-US"/>
+              <a:rPr lang="en-US" smtClean="0"/>
               <a:t>Third level</a:t>
             </a:r>
           </a:p>
           <a:p>
             <a:pPr lvl="3"/>
             <a:r>
-              <a:rPr lang="en-US"/>
+              <a:rPr lang="en-US" smtClean="0"/>
               <a:t>Fourth level</a:t>
             </a:r>
           </a:p>
           <a:p>
             <a:pPr lvl="4"/>
             <a:r>
-              <a:rPr lang="en-US"/>
+              <a:rPr lang="en-US" smtClean="0"/>
               <a:t>Fifth level</a:t>
             </a:r>
+            <a:endParaRPr lang="en-US"/>
           </a:p>
         </p:txBody>
       </p:sp>
@@ -1353,37 +2051,38 @@
           <a:p>
             <a:pPr lvl="0"/>
             <a:r>
-              <a:rPr lang="en-US"/>
+              <a:rPr lang="en-US" smtClean="0"/>
               <a:t>Click to edit Master text styles</a:t>
             </a:r>
           </a:p>
           <a:p>
             <a:pPr lvl="1"/>
             <a:r>
-              <a:rPr lang="en-US"/>
+              <a:rPr lang="en-US" smtClean="0"/>
               <a:t>Second level</a:t>
             </a:r>
           </a:p>
           <a:p>
             <a:pPr lvl="2"/>
             <a:r>
-              <a:rPr lang="en-US"/>
+              <a:rPr lang="en-US" smtClean="0"/>
               <a:t>Third level</a:t>
             </a:r>
           </a:p>
           <a:p>
             <a:pPr lvl="3"/>
             <a:r>
-              <a:rPr lang="en-US"/>
+              <a:rPr lang="en-US" smtClean="0"/>
               <a:t>Fourth level</a:t>
             </a:r>
           </a:p>
           <a:p>
             <a:pPr lvl="4"/>
             <a:r>
-              <a:rPr lang="en-US"/>
+              <a:rPr lang="en-US" smtClean="0"/>
               <a:t>Fifth level</a:t>
             </a:r>
+            <a:endParaRPr lang="en-US"/>
           </a:p>
         </p:txBody>
       </p:sp>
@@ -1410,7 +2109,7 @@
           <a:p>
             <a:fld id="{D077B7F3-A623-604C-9FA0-35347E68EB54}" type="datetimeFigureOut">
               <a:rPr lang="en-US" smtClean="0"/>
-              <a:t>2/15/20</a:t>
+              <a:t>2/19/20</a:t>
             </a:fld>
             <a:endParaRPr lang="en-US"/>
           </a:p>
@@ -1527,9 +2226,10 @@
           <a:lstStyle/>
           <a:p>
             <a:r>
-              <a:rPr lang="en-US"/>
+              <a:rPr lang="en-US" smtClean="0"/>
               <a:t>Click to edit Master title style</a:t>
             </a:r>
+            <a:endParaRPr lang="en-US"/>
           </a:p>
         </p:txBody>
       </p:sp>
@@ -1598,7 +2298,7 @@
           <a:p>
             <a:pPr lvl="0"/>
             <a:r>
-              <a:rPr lang="en-US"/>
+              <a:rPr lang="en-US" smtClean="0"/>
               <a:t>Click to edit Master text styles</a:t>
             </a:r>
           </a:p>
@@ -1632,37 +2332,38 @@
           <a:p>
             <a:pPr lvl="0"/>
             <a:r>
-              <a:rPr lang="en-US"/>
+              <a:rPr lang="en-US" smtClean="0"/>
               <a:t>Click to edit Master text styles</a:t>
             </a:r>
           </a:p>
           <a:p>
             <a:pPr lvl="1"/>
             <a:r>
-              <a:rPr lang="en-US"/>
+              <a:rPr lang="en-US" smtClean="0"/>
               <a:t>Second level</a:t>
             </a:r>
           </a:p>
           <a:p>
             <a:pPr lvl="2"/>
             <a:r>
-              <a:rPr lang="en-US"/>
+              <a:rPr lang="en-US" smtClean="0"/>
               <a:t>Third level</a:t>
             </a:r>
           </a:p>
           <a:p>
             <a:pPr lvl="3"/>
             <a:r>
-              <a:rPr lang="en-US"/>
+              <a:rPr lang="en-US" smtClean="0"/>
               <a:t>Fourth level</a:t>
             </a:r>
           </a:p>
           <a:p>
             <a:pPr lvl="4"/>
             <a:r>
-              <a:rPr lang="en-US"/>
+              <a:rPr lang="en-US" smtClean="0"/>
               <a:t>Fifth level</a:t>
             </a:r>
+            <a:endParaRPr lang="en-US"/>
           </a:p>
         </p:txBody>
       </p:sp>
@@ -1731,7 +2432,7 @@
           <a:p>
             <a:pPr lvl="0"/>
             <a:r>
-              <a:rPr lang="en-US"/>
+              <a:rPr lang="en-US" smtClean="0"/>
               <a:t>Click to edit Master text styles</a:t>
             </a:r>
           </a:p>
@@ -1765,37 +2466,38 @@
           <a:p>
             <a:pPr lvl="0"/>
             <a:r>
-              <a:rPr lang="en-US"/>
+              <a:rPr lang="en-US" smtClean="0"/>
               <a:t>Click to edit Master text styles</a:t>
             </a:r>
           </a:p>
           <a:p>
             <a:pPr lvl="1"/>
             <a:r>
-              <a:rPr lang="en-US"/>
+              <a:rPr lang="en-US" smtClean="0"/>
               <a:t>Second level</a:t>
             </a:r>
           </a:p>
           <a:p>
             <a:pPr lvl="2"/>
             <a:r>
-              <a:rPr lang="en-US"/>
+              <a:rPr lang="en-US" smtClean="0"/>
               <a:t>Third level</a:t>
             </a:r>
           </a:p>
           <a:p>
             <a:pPr lvl="3"/>
             <a:r>
-              <a:rPr lang="en-US"/>
+              <a:rPr lang="en-US" smtClean="0"/>
               <a:t>Fourth level</a:t>
             </a:r>
           </a:p>
           <a:p>
             <a:pPr lvl="4"/>
             <a:r>
-              <a:rPr lang="en-US"/>
+              <a:rPr lang="en-US" smtClean="0"/>
               <a:t>Fifth level</a:t>
             </a:r>
+            <a:endParaRPr lang="en-US"/>
           </a:p>
         </p:txBody>
       </p:sp>
@@ -1822,7 +2524,7 @@
           <a:p>
             <a:fld id="{D077B7F3-A623-604C-9FA0-35347E68EB54}" type="datetimeFigureOut">
               <a:rPr lang="en-US" smtClean="0"/>
-              <a:t>2/15/20</a:t>
+              <a:t>2/19/20</a:t>
             </a:fld>
             <a:endParaRPr lang="en-US"/>
           </a:p>
@@ -1934,9 +2636,10 @@
           <a:lstStyle/>
           <a:p>
             <a:r>
-              <a:rPr lang="en-US"/>
+              <a:rPr lang="en-US" smtClean="0"/>
               <a:t>Click to edit Master title style</a:t>
             </a:r>
+            <a:endParaRPr lang="en-US"/>
           </a:p>
         </p:txBody>
       </p:sp>
@@ -1963,7 +2666,7 @@
           <a:p>
             <a:fld id="{D077B7F3-A623-604C-9FA0-35347E68EB54}" type="datetimeFigureOut">
               <a:rPr lang="en-US" smtClean="0"/>
-              <a:t>2/15/20</a:t>
+              <a:t>2/19/20</a:t>
             </a:fld>
             <a:endParaRPr lang="en-US"/>
           </a:p>
@@ -2076,7 +2779,7 @@
           <a:p>
             <a:fld id="{D077B7F3-A623-604C-9FA0-35347E68EB54}" type="datetimeFigureOut">
               <a:rPr lang="en-US" smtClean="0"/>
-              <a:t>2/15/20</a:t>
+              <a:t>2/19/20</a:t>
             </a:fld>
             <a:endParaRPr lang="en-US"/>
           </a:p>
@@ -2197,9 +2900,10 @@
           </a:lstStyle>
           <a:p>
             <a:r>
-              <a:rPr lang="en-US"/>
+              <a:rPr lang="en-US" smtClean="0"/>
               <a:t>Click to edit Master title style</a:t>
             </a:r>
+            <a:endParaRPr lang="en-US"/>
           </a:p>
         </p:txBody>
       </p:sp>
@@ -2259,37 +2963,38 @@
           <a:p>
             <a:pPr lvl="0"/>
             <a:r>
-              <a:rPr lang="en-US"/>
+              <a:rPr lang="en-US" smtClean="0"/>
               <a:t>Click to edit Master text styles</a:t>
             </a:r>
           </a:p>
           <a:p>
             <a:pPr lvl="1"/>
             <a:r>
-              <a:rPr lang="en-US"/>
+              <a:rPr lang="en-US" smtClean="0"/>
               <a:t>Second level</a:t>
             </a:r>
           </a:p>
           <a:p>
             <a:pPr lvl="2"/>
             <a:r>
-              <a:rPr lang="en-US"/>
+              <a:rPr lang="en-US" smtClean="0"/>
               <a:t>Third level</a:t>
             </a:r>
           </a:p>
           <a:p>
             <a:pPr lvl="3"/>
             <a:r>
-              <a:rPr lang="en-US"/>
+              <a:rPr lang="en-US" smtClean="0"/>
               <a:t>Fourth level</a:t>
             </a:r>
           </a:p>
           <a:p>
             <a:pPr lvl="4"/>
             <a:r>
-              <a:rPr lang="en-US"/>
+              <a:rPr lang="en-US" smtClean="0"/>
               <a:t>Fifth level</a:t>
             </a:r>
+            <a:endParaRPr lang="en-US"/>
           </a:p>
         </p:txBody>
       </p:sp>
@@ -2358,7 +3063,7 @@
           <a:p>
             <a:pPr lvl="0"/>
             <a:r>
-              <a:rPr lang="en-US"/>
+              <a:rPr lang="en-US" smtClean="0"/>
               <a:t>Click to edit Master text styles</a:t>
             </a:r>
           </a:p>
@@ -2387,7 +3092,7 @@
           <a:p>
             <a:fld id="{D077B7F3-A623-604C-9FA0-35347E68EB54}" type="datetimeFigureOut">
               <a:rPr lang="en-US" smtClean="0"/>
-              <a:t>2/15/20</a:t>
+              <a:t>2/19/20</a:t>
             </a:fld>
             <a:endParaRPr lang="en-US"/>
           </a:p>
@@ -2508,9 +3213,10 @@
           </a:lstStyle>
           <a:p>
             <a:r>
-              <a:rPr lang="en-US"/>
+              <a:rPr lang="en-US" smtClean="0"/>
               <a:t>Click to edit Master title style</a:t>
             </a:r>
+            <a:endParaRPr lang="en-US"/>
           </a:p>
         </p:txBody>
       </p:sp>
@@ -2578,9 +3284,10 @@
           </a:lstStyle>
           <a:p>
             <a:r>
-              <a:rPr lang="en-US"/>
-              <a:t>Click icon to add picture</a:t>
-            </a:r>
+              <a:rPr lang="en-US" smtClean="0"/>
+              <a:t>Drag picture to placeholder or click icon to add</a:t>
+            </a:r>
+            <a:endParaRPr lang="en-US"/>
           </a:p>
         </p:txBody>
       </p:sp>
@@ -2649,7 +3356,7 @@
           <a:p>
             <a:pPr lvl="0"/>
             <a:r>
-              <a:rPr lang="en-US"/>
+              <a:rPr lang="en-US" smtClean="0"/>
               <a:t>Click to edit Master text styles</a:t>
             </a:r>
           </a:p>
@@ -2678,7 +3385,7 @@
           <a:p>
             <a:fld id="{D077B7F3-A623-604C-9FA0-35347E68EB54}" type="datetimeFigureOut">
               <a:rPr lang="en-US" smtClean="0"/>
-              <a:t>2/15/20</a:t>
+              <a:t>2/19/20</a:t>
             </a:fld>
             <a:endParaRPr lang="en-US"/>
           </a:p>
@@ -2805,9 +3512,10 @@
           <a:lstStyle/>
           <a:p>
             <a:r>
-              <a:rPr lang="en-US"/>
+              <a:rPr lang="en-US" smtClean="0"/>
               <a:t>Click to edit Master title style</a:t>
             </a:r>
+            <a:endParaRPr lang="en-US"/>
           </a:p>
         </p:txBody>
       </p:sp>
@@ -2844,37 +3552,38 @@
           <a:p>
             <a:pPr lvl="0"/>
             <a:r>
-              <a:rPr lang="en-US"/>
+              <a:rPr lang="en-US" smtClean="0"/>
               <a:t>Click to edit Master text styles</a:t>
             </a:r>
           </a:p>
           <a:p>
             <a:pPr lvl="1"/>
             <a:r>
-              <a:rPr lang="en-US"/>
+              <a:rPr lang="en-US" smtClean="0"/>
               <a:t>Second level</a:t>
             </a:r>
           </a:p>
           <a:p>
             <a:pPr lvl="2"/>
             <a:r>
-              <a:rPr lang="en-US"/>
+              <a:rPr lang="en-US" smtClean="0"/>
               <a:t>Third level</a:t>
             </a:r>
           </a:p>
           <a:p>
             <a:pPr lvl="3"/>
             <a:r>
-              <a:rPr lang="en-US"/>
+              <a:rPr lang="en-US" smtClean="0"/>
               <a:t>Fourth level</a:t>
             </a:r>
           </a:p>
           <a:p>
             <a:pPr lvl="4"/>
             <a:r>
-              <a:rPr lang="en-US"/>
+              <a:rPr lang="en-US" smtClean="0"/>
               <a:t>Fifth level</a:t>
             </a:r>
+            <a:endParaRPr lang="en-US"/>
           </a:p>
         </p:txBody>
       </p:sp>
@@ -2922,7 +3631,7 @@
             <a:fld id="{D077B7F3-A623-604C-9FA0-35347E68EB54}" type="datetimeFigureOut">
               <a:rPr lang="en-US" smtClean="0"/>
               <a:pPr/>
-              <a:t>2/15/20</a:t>
+              <a:t>2/19/20</a:t>
             </a:fld>
             <a:endParaRPr lang="en-US"/>
           </a:p>
@@ -3360,36 +4069,48 @@
             <p:ph type="ctrTitle"/>
           </p:nvPr>
         </p:nvSpPr>
-        <p:spPr>
-          <a:xfrm>
-            <a:off x="1524000" y="2235200"/>
-            <a:ext cx="9144000" cy="2387600"/>
-          </a:xfrm>
-        </p:spPr>
-        <p:txBody>
-          <a:bodyPr/>
-          <a:lstStyle/>
-          <a:p>
+        <p:spPr/>
+        <p:txBody>
+          <a:bodyPr/>
+          <a:lstStyle/>
+          <a:p>
+            <a:r>
+              <a:rPr lang="en-US" dirty="0" smtClean="0"/>
+              <a:t>Week 6</a:t>
+            </a:r>
+            <a:br>
+              <a:rPr lang="en-US" dirty="0" smtClean="0"/>
+            </a:br>
             <a:r>
               <a:rPr lang="en-US" dirty="0" smtClean="0"/>
               <a:t>Tasks</a:t>
             </a:r>
-            <a:r>
-              <a:rPr lang="en-US" dirty="0"/>
-              <a:t/>
-            </a:r>
-            <a:br>
-              <a:rPr lang="en-US" dirty="0"/>
-            </a:br>
-            <a:r>
-              <a:rPr lang="en-US" dirty="0"/>
-              <a:t>Week </a:t>
-            </a:r>
-            <a:r>
-              <a:rPr lang="en-US" dirty="0" smtClean="0"/>
-              <a:t>5</a:t>
-            </a:r>
             <a:endParaRPr lang="en-US" dirty="0"/>
+          </a:p>
+        </p:txBody>
+      </p:sp>
+      <p:sp>
+        <p:nvSpPr>
+          <p:cNvPr id="3" name="Subtitle 2">
+            <a:extLst>
+              <a:ext uri="{FF2B5EF4-FFF2-40B4-BE49-F238E27FC236}">
+                <a16:creationId xmlns:a16="http://schemas.microsoft.com/office/drawing/2014/main" xmlns="" id="{0EDF655F-40C3-604E-B880-86E5243461B8}"/>
+              </a:ext>
+            </a:extLst>
+          </p:cNvPr>
+          <p:cNvSpPr>
+            <a:spLocks noGrp="1"/>
+          </p:cNvSpPr>
+          <p:nvPr>
+            <p:ph type="subTitle" idx="1"/>
+          </p:nvPr>
+        </p:nvSpPr>
+        <p:spPr/>
+        <p:txBody>
+          <a:bodyPr/>
+          <a:lstStyle/>
+          <a:p>
+            <a:endParaRPr lang="en-US"/>
           </a:p>
         </p:txBody>
       </p:sp>
@@ -3397,6 +4118,282 @@
     <p:extLst>
       <p:ext uri="{BB962C8B-B14F-4D97-AF65-F5344CB8AC3E}">
         <p14:creationId xmlns:p14="http://schemas.microsoft.com/office/powerpoint/2010/main" val="827246142"/>
+      </p:ext>
+    </p:extLst>
+  </p:cSld>
+  <p:clrMapOvr>
+    <a:masterClrMapping/>
+  </p:clrMapOvr>
+</p:sld>
+</file>
+
+<file path=ppt/slides/slide10.xml><?xml version="1.0" encoding="utf-8"?>
+<p:sld xmlns:a="http://schemas.openxmlformats.org/drawingml/2006/main" xmlns:r="http://schemas.openxmlformats.org/officeDocument/2006/relationships" xmlns:p="http://schemas.openxmlformats.org/presentationml/2006/main">
+  <p:cSld>
+    <p:spTree>
+      <p:nvGrpSpPr>
+        <p:cNvPr id="1" name=""/>
+        <p:cNvGrpSpPr/>
+        <p:nvPr/>
+      </p:nvGrpSpPr>
+      <p:grpSpPr>
+        <a:xfrm>
+          <a:off x="0" y="0"/>
+          <a:ext cx="0" cy="0"/>
+          <a:chOff x="0" y="0"/>
+          <a:chExt cx="0" cy="0"/>
+        </a:xfrm>
+      </p:grpSpPr>
+      <p:sp>
+        <p:nvSpPr>
+          <p:cNvPr id="2" name="Title 1"/>
+          <p:cNvSpPr>
+            <a:spLocks noGrp="1"/>
+          </p:cNvSpPr>
+          <p:nvPr>
+            <p:ph type="title"/>
+          </p:nvPr>
+        </p:nvSpPr>
+        <p:spPr/>
+        <p:txBody>
+          <a:bodyPr/>
+          <a:lstStyle/>
+          <a:p>
+            <a:endParaRPr lang="en-US"/>
+          </a:p>
+        </p:txBody>
+      </p:sp>
+      <p:sp>
+        <p:nvSpPr>
+          <p:cNvPr id="3" name="Content Placeholder 2"/>
+          <p:cNvSpPr>
+            <a:spLocks noGrp="1"/>
+          </p:cNvSpPr>
+          <p:nvPr>
+            <p:ph idx="1"/>
+          </p:nvPr>
+        </p:nvSpPr>
+        <p:spPr/>
+        <p:txBody>
+          <a:bodyPr/>
+          <a:lstStyle/>
+          <a:p>
+            <a:endParaRPr lang="en-US"/>
+          </a:p>
+        </p:txBody>
+      </p:sp>
+      <p:pic>
+        <p:nvPicPr>
+          <p:cNvPr id="4" name="Picture 3"/>
+          <p:cNvPicPr>
+            <a:picLocks noChangeAspect="1"/>
+          </p:cNvPicPr>
+          <p:nvPr/>
+        </p:nvPicPr>
+        <p:blipFill>
+          <a:blip r:embed="rId3"/>
+          <a:stretch>
+            <a:fillRect/>
+          </a:stretch>
+        </p:blipFill>
+        <p:spPr>
+          <a:xfrm>
+            <a:off x="0" y="30041"/>
+            <a:ext cx="12192000" cy="6797917"/>
+          </a:xfrm>
+          <a:prstGeom prst="rect">
+            <a:avLst/>
+          </a:prstGeom>
+        </p:spPr>
+      </p:pic>
+    </p:spTree>
+    <p:extLst>
+      <p:ext uri="{BB962C8B-B14F-4D97-AF65-F5344CB8AC3E}">
+        <p14:creationId xmlns:p14="http://schemas.microsoft.com/office/powerpoint/2010/main" val="1716103943"/>
+      </p:ext>
+    </p:extLst>
+  </p:cSld>
+  <p:clrMapOvr>
+    <a:masterClrMapping/>
+  </p:clrMapOvr>
+</p:sld>
+</file>
+
+<file path=ppt/slides/slide11.xml><?xml version="1.0" encoding="utf-8"?>
+<p:sld xmlns:a="http://schemas.openxmlformats.org/drawingml/2006/main" xmlns:r="http://schemas.openxmlformats.org/officeDocument/2006/relationships" xmlns:p="http://schemas.openxmlformats.org/presentationml/2006/main">
+  <p:cSld>
+    <p:spTree>
+      <p:nvGrpSpPr>
+        <p:cNvPr id="1" name=""/>
+        <p:cNvGrpSpPr/>
+        <p:nvPr/>
+      </p:nvGrpSpPr>
+      <p:grpSpPr>
+        <a:xfrm>
+          <a:off x="0" y="0"/>
+          <a:ext cx="0" cy="0"/>
+          <a:chOff x="0" y="0"/>
+          <a:chExt cx="0" cy="0"/>
+        </a:xfrm>
+      </p:grpSpPr>
+      <p:sp>
+        <p:nvSpPr>
+          <p:cNvPr id="2" name="Title 1"/>
+          <p:cNvSpPr>
+            <a:spLocks noGrp="1"/>
+          </p:cNvSpPr>
+          <p:nvPr>
+            <p:ph type="title"/>
+          </p:nvPr>
+        </p:nvSpPr>
+        <p:spPr/>
+        <p:txBody>
+          <a:bodyPr/>
+          <a:lstStyle/>
+          <a:p>
+            <a:endParaRPr lang="en-US"/>
+          </a:p>
+        </p:txBody>
+      </p:sp>
+      <p:sp>
+        <p:nvSpPr>
+          <p:cNvPr id="3" name="Content Placeholder 2"/>
+          <p:cNvSpPr>
+            <a:spLocks noGrp="1"/>
+          </p:cNvSpPr>
+          <p:nvPr>
+            <p:ph idx="1"/>
+          </p:nvPr>
+        </p:nvSpPr>
+        <p:spPr/>
+        <p:txBody>
+          <a:bodyPr/>
+          <a:lstStyle/>
+          <a:p>
+            <a:r>
+              <a:rPr lang="en-US" dirty="0" smtClean="0"/>
+              <a:t>Why was this paper written?  </a:t>
+            </a:r>
+          </a:p>
+          <a:p>
+            <a:r>
+              <a:rPr lang="en-US" dirty="0" smtClean="0"/>
+              <a:t>What purpose does it serve?</a:t>
+            </a:r>
+            <a:endParaRPr lang="en-US" dirty="0"/>
+          </a:p>
+        </p:txBody>
+      </p:sp>
+    </p:spTree>
+    <p:extLst>
+      <p:ext uri="{BB962C8B-B14F-4D97-AF65-F5344CB8AC3E}">
+        <p14:creationId xmlns:p14="http://schemas.microsoft.com/office/powerpoint/2010/main" val="1709432046"/>
+      </p:ext>
+    </p:extLst>
+  </p:cSld>
+  <p:clrMapOvr>
+    <a:masterClrMapping/>
+  </p:clrMapOvr>
+</p:sld>
+</file>
+
+<file path=ppt/slides/slide12.xml><?xml version="1.0" encoding="utf-8"?>
+<p:sld xmlns:a="http://schemas.openxmlformats.org/drawingml/2006/main" xmlns:r="http://schemas.openxmlformats.org/officeDocument/2006/relationships" xmlns:p="http://schemas.openxmlformats.org/presentationml/2006/main">
+  <p:cSld>
+    <p:spTree>
+      <p:nvGrpSpPr>
+        <p:cNvPr id="1" name=""/>
+        <p:cNvGrpSpPr/>
+        <p:nvPr/>
+      </p:nvGrpSpPr>
+      <p:grpSpPr>
+        <a:xfrm>
+          <a:off x="0" y="0"/>
+          <a:ext cx="0" cy="0"/>
+          <a:chOff x="0" y="0"/>
+          <a:chExt cx="0" cy="0"/>
+        </a:xfrm>
+      </p:grpSpPr>
+      <p:sp>
+        <p:nvSpPr>
+          <p:cNvPr id="2" name="Title 1"/>
+          <p:cNvSpPr>
+            <a:spLocks noGrp="1"/>
+          </p:cNvSpPr>
+          <p:nvPr>
+            <p:ph type="title"/>
+          </p:nvPr>
+        </p:nvSpPr>
+        <p:spPr/>
+        <p:txBody>
+          <a:bodyPr/>
+          <a:lstStyle/>
+          <a:p>
+            <a:endParaRPr lang="en-US" dirty="0"/>
+          </a:p>
+        </p:txBody>
+      </p:sp>
+      <p:sp>
+        <p:nvSpPr>
+          <p:cNvPr id="3" name="Content Placeholder 2"/>
+          <p:cNvSpPr>
+            <a:spLocks noGrp="1"/>
+          </p:cNvSpPr>
+          <p:nvPr>
+            <p:ph idx="1"/>
+          </p:nvPr>
+        </p:nvSpPr>
+        <p:spPr/>
+        <p:txBody>
+          <a:bodyPr>
+            <a:normAutofit/>
+          </a:bodyPr>
+          <a:lstStyle/>
+          <a:p>
+            <a:r>
+              <a:rPr lang="en-US" dirty="0" smtClean="0"/>
+              <a:t>Are comparisons composed of target, action, &amp; naming?</a:t>
+            </a:r>
+          </a:p>
+          <a:p>
+            <a:endParaRPr lang="en-US" dirty="0"/>
+          </a:p>
+          <a:p>
+            <a:r>
+              <a:rPr lang="en-US" dirty="0" smtClean="0"/>
+              <a:t>Are there other forms of challenges beyond scalability?</a:t>
+            </a:r>
+          </a:p>
+          <a:p>
+            <a:endParaRPr lang="en-US" dirty="0"/>
+          </a:p>
+          <a:p>
+            <a:r>
+              <a:rPr lang="en-US" dirty="0" smtClean="0"/>
+              <a:t>Strategies and Designs</a:t>
+            </a:r>
+          </a:p>
+          <a:p>
+            <a:endParaRPr lang="en-US" dirty="0"/>
+          </a:p>
+          <a:p>
+            <a:r>
+              <a:rPr lang="en-US" dirty="0" smtClean="0"/>
+              <a:t>Where does interaction play a role?</a:t>
+            </a:r>
+          </a:p>
+          <a:p>
+            <a:endParaRPr lang="en-US" dirty="0"/>
+          </a:p>
+          <a:p>
+            <a:endParaRPr lang="en-US" dirty="0"/>
+          </a:p>
+        </p:txBody>
+      </p:sp>
+    </p:spTree>
+    <p:extLst>
+      <p:ext uri="{BB962C8B-B14F-4D97-AF65-F5344CB8AC3E}">
+        <p14:creationId xmlns:p14="http://schemas.microsoft.com/office/powerpoint/2010/main" val="110169359"/>
       </p:ext>
     </p:extLst>
   </p:cSld>
@@ -3425,13 +4422,7 @@
       </p:grpSpPr>
       <p:sp>
         <p:nvSpPr>
-          <p:cNvPr id="2" name="Title 1">
-            <a:extLst>
-              <a:ext uri="{FF2B5EF4-FFF2-40B4-BE49-F238E27FC236}">
-                <a16:creationId xmlns:a16="http://schemas.microsoft.com/office/drawing/2014/main" xmlns="" id="{361B9865-7DB8-EE4A-969C-D47DAEC538BD}"/>
-              </a:ext>
-            </a:extLst>
-          </p:cNvPr>
+          <p:cNvPr id="2" name="Title 1"/>
           <p:cNvSpPr>
             <a:spLocks noGrp="1"/>
           </p:cNvSpPr>
@@ -3445,21 +4436,16 @@
           <a:lstStyle/>
           <a:p>
             <a:r>
-              <a:rPr lang="en-US" dirty="0"/>
+              <a:rPr lang="en-US" dirty="0" err="1" smtClean="0"/>
               <a:t>Administrivia</a:t>
             </a:r>
-          </a:p>
-        </p:txBody>
-      </p:sp>
-      <p:sp>
-        <p:nvSpPr>
-          <p:cNvPr id="3" name="Content Placeholder 2">
-            <a:extLst>
-              <a:ext uri="{FF2B5EF4-FFF2-40B4-BE49-F238E27FC236}">
-                <a16:creationId xmlns:a16="http://schemas.microsoft.com/office/drawing/2014/main" xmlns="" id="{4FDDD13A-E1DC-A54F-9DCF-E8013CBABE16}"/>
-              </a:ext>
-            </a:extLst>
-          </p:cNvPr>
+            <a:endParaRPr lang="en-US" dirty="0"/>
+          </a:p>
+        </p:txBody>
+      </p:sp>
+      <p:sp>
+        <p:nvSpPr>
+          <p:cNvPr id="3" name="Content Placeholder 2"/>
           <p:cNvSpPr>
             <a:spLocks noGrp="1"/>
           </p:cNvSpPr>
@@ -3469,114 +4455,31 @@
         </p:nvSpPr>
         <p:spPr/>
         <p:txBody>
-          <a:bodyPr>
-            <a:normAutofit fontScale="77500" lnSpcReduction="20000"/>
-          </a:bodyPr>
-          <a:lstStyle/>
-          <a:p>
-            <a:pPr marL="0" indent="0">
-              <a:buNone/>
-            </a:pPr>
+          <a:bodyPr/>
+          <a:lstStyle/>
+          <a:p>
             <a:r>
               <a:rPr lang="en-US" dirty="0" smtClean="0"/>
-              <a:t>Related Work project milestone</a:t>
-            </a:r>
-          </a:p>
-          <a:p>
-            <a:r>
-              <a:rPr lang="en-US" i="1" dirty="0" smtClean="0"/>
-              <a:t>at least </a:t>
-            </a:r>
+              <a:t>Proposals due tonight</a:t>
+            </a:r>
+          </a:p>
+          <a:p>
             <a:r>
               <a:rPr lang="en-US" dirty="0" smtClean="0"/>
-              <a:t>15 relevant papers</a:t>
-            </a:r>
+              <a:t>A1, A2 grades are out.  100% if we saw good faith effort</a:t>
+            </a:r>
+          </a:p>
+          <a:p>
+            <a:endParaRPr lang="en-US" dirty="0" smtClean="0"/>
+          </a:p>
+          <a:p>
+            <a:endParaRPr lang="en-US" dirty="0" smtClean="0"/>
           </a:p>
           <a:p>
             <a:r>
               <a:rPr lang="en-US" dirty="0" smtClean="0"/>
-              <a:t>convince reader (staff) that you understand state of the art</a:t>
-            </a:r>
-          </a:p>
-          <a:p>
-            <a:endParaRPr lang="en-US" dirty="0"/>
-          </a:p>
-          <a:p>
-            <a:pPr marL="0" indent="0">
-              <a:buNone/>
-            </a:pPr>
-            <a:r>
-              <a:rPr lang="en-US" dirty="0"/>
-              <a:t>Few papers directly solve you </a:t>
-            </a:r>
-            <a:r>
-              <a:rPr lang="en-US" dirty="0" smtClean="0"/>
-              <a:t>problem (good thing!)  Need to be creative</a:t>
-            </a:r>
-            <a:endParaRPr lang="en-US" dirty="0"/>
-          </a:p>
-          <a:p>
-            <a:pPr marL="0" indent="0">
-              <a:buNone/>
-            </a:pPr>
-            <a:r>
-              <a:rPr lang="en-US" dirty="0"/>
-              <a:t>Papers can be relevant </a:t>
-            </a:r>
-            <a:r>
-              <a:rPr lang="en-US" dirty="0" smtClean="0"/>
-              <a:t>by problem, technique, application. </a:t>
-            </a:r>
-          </a:p>
-          <a:p>
-            <a:pPr marL="0" indent="0">
-              <a:buNone/>
-            </a:pPr>
-            <a:r>
-              <a:rPr lang="en-US" dirty="0" smtClean="0"/>
-              <a:t>They </a:t>
-            </a:r>
-            <a:r>
-              <a:rPr lang="en-US" dirty="0"/>
-              <a:t>may</a:t>
-            </a:r>
-          </a:p>
-          <a:p>
-            <a:r>
-              <a:rPr lang="en-US" dirty="0" smtClean="0"/>
-              <a:t>motivate problem</a:t>
-            </a:r>
-            <a:endParaRPr lang="en-US" dirty="0"/>
-          </a:p>
-          <a:p>
-            <a:r>
-              <a:rPr lang="en-US" dirty="0" smtClean="0"/>
-              <a:t>provide ideas to approach your problem</a:t>
-            </a:r>
-            <a:endParaRPr lang="en-US" dirty="0"/>
-          </a:p>
-          <a:p>
-            <a:r>
-              <a:rPr lang="en-US" dirty="0" smtClean="0"/>
-              <a:t>directly solve problem, but you can do better</a:t>
-            </a:r>
-            <a:endParaRPr lang="en-US" dirty="0"/>
-          </a:p>
-          <a:p>
-            <a:r>
-              <a:rPr lang="en-US" dirty="0" smtClean="0"/>
-              <a:t>solve similar problem, different application</a:t>
-            </a:r>
-            <a:endParaRPr lang="en-US" dirty="0"/>
-          </a:p>
-          <a:p>
-            <a:r>
-              <a:rPr lang="en-US" dirty="0" smtClean="0"/>
-              <a:t>solve different problem, but useful technique</a:t>
-            </a:r>
-            <a:endParaRPr lang="en-US" dirty="0"/>
-          </a:p>
-          <a:p>
+              <a:t>Thoughts on an assignment for sampling?</a:t>
+            </a:r>
             <a:endParaRPr lang="en-US" dirty="0"/>
           </a:p>
         </p:txBody>
@@ -3584,7 +4487,7 @@
     </p:spTree>
     <p:extLst>
       <p:ext uri="{BB962C8B-B14F-4D97-AF65-F5344CB8AC3E}">
-        <p14:creationId xmlns:p14="http://schemas.microsoft.com/office/powerpoint/2010/main" val="3803463876"/>
+        <p14:creationId xmlns:p14="http://schemas.microsoft.com/office/powerpoint/2010/main" val="60281693"/>
       </p:ext>
     </p:extLst>
   </p:cSld>
@@ -3613,12 +4516,12 @@
       </p:grpSpPr>
       <p:sp>
         <p:nvSpPr>
-          <p:cNvPr id="2" name="Title 1"/>
-          <p:cNvSpPr>
-            <a:spLocks noGrp="1"/>
-          </p:cNvSpPr>
-          <p:nvPr>
-            <p:ph type="title"/>
+          <p:cNvPr id="4" name="Title 3"/>
+          <p:cNvSpPr>
+            <a:spLocks noGrp="1"/>
+          </p:cNvSpPr>
+          <p:nvPr>
+            <p:ph type="ctrTitle"/>
           </p:nvPr>
         </p:nvSpPr>
         <p:spPr/>
@@ -3628,7 +4531,18 @@
           <a:p>
             <a:r>
               <a:rPr lang="en-US" dirty="0" err="1" smtClean="0"/>
-              <a:t>Administrivia</a:t>
+              <a:t>Munzner</a:t>
+            </a:r>
+            <a:r>
+              <a:rPr lang="en-US" dirty="0" smtClean="0"/>
+              <a:t> Chapter 1</a:t>
+            </a:r>
+            <a:br>
+              <a:rPr lang="en-US" dirty="0" smtClean="0"/>
+            </a:br>
+            <a:r>
+              <a:rPr lang="en-US" dirty="0" smtClean="0"/>
+              <a:t>Discussion</a:t>
             </a:r>
             <a:endParaRPr lang="en-US" dirty="0"/>
           </a:p>
@@ -3636,105 +4550,19 @@
       </p:sp>
       <p:sp>
         <p:nvSpPr>
-          <p:cNvPr id="3" name="Content Placeholder 2"/>
-          <p:cNvSpPr>
-            <a:spLocks noGrp="1"/>
-          </p:cNvSpPr>
-          <p:nvPr>
-            <p:ph idx="1"/>
-          </p:nvPr>
-        </p:nvSpPr>
-        <p:spPr/>
-        <p:txBody>
-          <a:bodyPr/>
-          <a:lstStyle/>
-          <a:p>
-            <a:pPr marL="0" indent="0">
-              <a:buNone/>
-            </a:pPr>
-            <a:r>
-              <a:rPr lang="en-US" dirty="0" smtClean="0"/>
-              <a:t>Resources</a:t>
-            </a:r>
-          </a:p>
-          <a:p>
-            <a:r>
-              <a:rPr lang="en-US" dirty="0" err="1" smtClean="0"/>
-              <a:t>semanticscholar.org</a:t>
-            </a:r>
-            <a:endParaRPr lang="en-US" dirty="0"/>
-          </a:p>
-          <a:p>
-            <a:endParaRPr lang="en-US" dirty="0"/>
-          </a:p>
-        </p:txBody>
-      </p:sp>
-      <p:pic>
-        <p:nvPicPr>
-          <p:cNvPr id="4" name="Picture 3"/>
-          <p:cNvPicPr>
-            <a:picLocks noChangeAspect="1"/>
-          </p:cNvPicPr>
-          <p:nvPr/>
-        </p:nvPicPr>
-        <p:blipFill>
-          <a:blip r:embed="rId2"/>
-          <a:stretch>
-            <a:fillRect/>
-          </a:stretch>
-        </p:blipFill>
-        <p:spPr>
-          <a:xfrm>
-            <a:off x="1779373" y="3566192"/>
-            <a:ext cx="7780638" cy="3291808"/>
-          </a:xfrm>
-          <a:prstGeom prst="rect">
-            <a:avLst/>
-          </a:prstGeom>
-        </p:spPr>
-      </p:pic>
-      <p:sp>
-        <p:nvSpPr>
-          <p:cNvPr id="5" name="Rectangle 4"/>
-          <p:cNvSpPr/>
-          <p:nvPr/>
-        </p:nvSpPr>
-        <p:spPr>
-          <a:xfrm>
-            <a:off x="5684106" y="5721176"/>
-            <a:ext cx="1149179" cy="753762"/>
-          </a:xfrm>
-          <a:prstGeom prst="rect">
-            <a:avLst/>
-          </a:prstGeom>
-          <a:noFill/>
-          <a:ln w="76200">
-            <a:solidFill>
-              <a:srgbClr val="FF0000"/>
-            </a:solidFill>
-          </a:ln>
-        </p:spPr>
-        <p:style>
-          <a:lnRef idx="2">
-            <a:schemeClr val="accent1">
-              <a:shade val="50000"/>
-            </a:schemeClr>
-          </a:lnRef>
-          <a:fillRef idx="1">
-            <a:schemeClr val="accent1"/>
-          </a:fillRef>
-          <a:effectRef idx="0">
-            <a:schemeClr val="accent1"/>
-          </a:effectRef>
-          <a:fontRef idx="minor">
-            <a:schemeClr val="lt1"/>
-          </a:fontRef>
-        </p:style>
-        <p:txBody>
-          <a:bodyPr rtlCol="0" anchor="ctr"/>
-          <a:lstStyle/>
-          <a:p>
-            <a:pPr algn="ctr"/>
+          <p:cNvPr id="5" name="Subtitle 4"/>
+          <p:cNvSpPr>
+            <a:spLocks noGrp="1"/>
+          </p:cNvSpPr>
+          <p:nvPr>
+            <p:ph type="subTitle" idx="1"/>
+          </p:nvPr>
+        </p:nvSpPr>
+        <p:spPr/>
+        <p:txBody>
+          <a:bodyPr/>
+          <a:lstStyle/>
+          <a:p>
             <a:endParaRPr lang="en-US"/>
           </a:p>
         </p:txBody>
@@ -3742,7 +4570,7 @@
     </p:spTree>
     <p:extLst>
       <p:ext uri="{BB962C8B-B14F-4D97-AF65-F5344CB8AC3E}">
-        <p14:creationId xmlns:p14="http://schemas.microsoft.com/office/powerpoint/2010/main" val="806366415"/>
+        <p14:creationId xmlns:p14="http://schemas.microsoft.com/office/powerpoint/2010/main" val="199846915"/>
       </p:ext>
     </p:extLst>
   </p:cSld>
@@ -3786,7 +4614,11 @@
           <a:p>
             <a:r>
               <a:rPr lang="en-US" dirty="0" err="1" smtClean="0"/>
-              <a:t>Administrivia</a:t>
+              <a:t>Munzner</a:t>
+            </a:r>
+            <a:r>
+              <a:rPr lang="en-US" dirty="0" smtClean="0"/>
+              <a:t> Chapter 1</a:t>
             </a:r>
             <a:endParaRPr lang="en-US" dirty="0"/>
           </a:p>
@@ -3807,97 +4639,36 @@
           <a:bodyPr/>
           <a:lstStyle/>
           <a:p>
-            <a:pPr marL="0" indent="0">
-              <a:buNone/>
-            </a:pPr>
             <a:r>
               <a:rPr lang="en-US" dirty="0" smtClean="0"/>
-              <a:t>Resources</a:t>
+              <a:t>Tasks</a:t>
             </a:r>
           </a:p>
           <a:p>
             <a:r>
               <a:rPr lang="en-US" dirty="0" smtClean="0"/>
-              <a:t>google scholar recs</a:t>
+              <a:t>Effectiveness &amp; the design search space</a:t>
+            </a:r>
+          </a:p>
+          <a:p>
+            <a:r>
+              <a:rPr lang="en-US" dirty="0" smtClean="0"/>
+              <a:t>Validation</a:t>
+            </a:r>
+          </a:p>
+          <a:p>
+            <a:r>
+              <a:rPr lang="en-US" dirty="0" smtClean="0"/>
+              <a:t>What-Why-How</a:t>
             </a:r>
             <a:endParaRPr lang="en-US" dirty="0"/>
-          </a:p>
-        </p:txBody>
-      </p:sp>
-      <p:pic>
-        <p:nvPicPr>
-          <p:cNvPr id="6" name="Picture 5"/>
-          <p:cNvPicPr>
-            <a:picLocks noChangeAspect="1"/>
-          </p:cNvPicPr>
-          <p:nvPr/>
-        </p:nvPicPr>
-        <p:blipFill>
-          <a:blip r:embed="rId2"/>
-          <a:stretch>
-            <a:fillRect/>
-          </a:stretch>
-        </p:blipFill>
-        <p:spPr>
-          <a:xfrm>
-            <a:off x="1668162" y="3623258"/>
-            <a:ext cx="9090454" cy="3234742"/>
-          </a:xfrm>
-          <a:prstGeom prst="rect">
-            <a:avLst/>
-          </a:prstGeom>
-        </p:spPr>
-      </p:pic>
-      <p:sp>
-        <p:nvSpPr>
-          <p:cNvPr id="5" name="Rectangle 4"/>
-          <p:cNvSpPr/>
-          <p:nvPr/>
-        </p:nvSpPr>
-        <p:spPr>
-          <a:xfrm>
-            <a:off x="3036947" y="5969663"/>
-            <a:ext cx="571226" cy="414600"/>
-          </a:xfrm>
-          <a:prstGeom prst="rect">
-            <a:avLst/>
-          </a:prstGeom>
-          <a:noFill/>
-          <a:ln w="76200">
-            <a:solidFill>
-              <a:srgbClr val="FF0000"/>
-            </a:solidFill>
-          </a:ln>
-        </p:spPr>
-        <p:style>
-          <a:lnRef idx="2">
-            <a:schemeClr val="accent1">
-              <a:shade val="50000"/>
-            </a:schemeClr>
-          </a:lnRef>
-          <a:fillRef idx="1">
-            <a:schemeClr val="accent1"/>
-          </a:fillRef>
-          <a:effectRef idx="0">
-            <a:schemeClr val="accent1"/>
-          </a:effectRef>
-          <a:fontRef idx="minor">
-            <a:schemeClr val="lt1"/>
-          </a:fontRef>
-        </p:style>
-        <p:txBody>
-          <a:bodyPr rtlCol="0" anchor="ctr"/>
-          <a:lstStyle/>
-          <a:p>
-            <a:pPr algn="ctr"/>
-            <a:endParaRPr lang="en-US"/>
           </a:p>
         </p:txBody>
       </p:sp>
     </p:spTree>
     <p:extLst>
       <p:ext uri="{BB962C8B-B14F-4D97-AF65-F5344CB8AC3E}">
-        <p14:creationId xmlns:p14="http://schemas.microsoft.com/office/powerpoint/2010/main" val="512828441"/>
+        <p14:creationId xmlns:p14="http://schemas.microsoft.com/office/powerpoint/2010/main" val="1794276019"/>
       </p:ext>
     </p:extLst>
   </p:cSld>
@@ -3940,76 +4711,233 @@
           <a:lstStyle/>
           <a:p>
             <a:r>
-              <a:rPr lang="en-US" dirty="0" err="1" smtClean="0"/>
-              <a:t>Administrivia</a:t>
-            </a:r>
-            <a:endParaRPr lang="en-US" dirty="0"/>
-          </a:p>
-        </p:txBody>
-      </p:sp>
-      <p:sp>
-        <p:nvSpPr>
-          <p:cNvPr id="3" name="Content Placeholder 2"/>
-          <p:cNvSpPr>
-            <a:spLocks noGrp="1"/>
-          </p:cNvSpPr>
-          <p:nvPr>
-            <p:ph idx="1"/>
-          </p:nvPr>
-        </p:nvSpPr>
-        <p:spPr/>
-        <p:txBody>
-          <a:bodyPr/>
-          <a:lstStyle/>
-          <a:p>
-            <a:pPr marL="0" indent="0">
-              <a:buNone/>
-            </a:pPr>
-            <a:r>
               <a:rPr lang="en-US" dirty="0" smtClean="0"/>
-              <a:t>Resources</a:t>
-            </a:r>
-          </a:p>
-          <a:p>
-            <a:r>
-              <a:rPr lang="en-US" dirty="0" smtClean="0"/>
-              <a:t>google scholar recs</a:t>
-            </a:r>
-            <a:endParaRPr lang="en-US" dirty="0"/>
-          </a:p>
-          <a:p>
+              <a:t>Chapter  4: The Nested Model</a:t>
+            </a:r>
             <a:endParaRPr lang="en-US" dirty="0"/>
           </a:p>
         </p:txBody>
       </p:sp>
       <p:pic>
         <p:nvPicPr>
-          <p:cNvPr id="4" name="Picture 3"/>
+          <p:cNvPr id="4" name="Content Placeholder 3"/>
           <p:cNvPicPr>
-            <a:picLocks noChangeAspect="1"/>
+            <a:picLocks noGrp="1" noChangeAspect="1"/>
           </p:cNvPicPr>
-          <p:nvPr/>
+          <p:nvPr>
+            <p:ph idx="1"/>
+          </p:nvPr>
         </p:nvPicPr>
         <p:blipFill>
-          <a:blip r:embed="rId2"/>
+          <a:blip r:embed="rId3"/>
           <a:stretch>
             <a:fillRect/>
           </a:stretch>
         </p:blipFill>
         <p:spPr>
           <a:xfrm>
-            <a:off x="2990335" y="3632425"/>
-            <a:ext cx="6211330" cy="3225575"/>
+            <a:off x="77442" y="1778972"/>
+            <a:ext cx="6264635" cy="4351338"/>
           </a:xfrm>
           <a:prstGeom prst="rect">
             <a:avLst/>
           </a:prstGeom>
         </p:spPr>
       </p:pic>
+      <p:sp>
+        <p:nvSpPr>
+          <p:cNvPr id="5" name="TextBox 4"/>
+          <p:cNvSpPr txBox="1"/>
+          <p:nvPr/>
+        </p:nvSpPr>
+        <p:spPr>
+          <a:xfrm>
+            <a:off x="6719198" y="2136710"/>
+            <a:ext cx="4634602" cy="369332"/>
+          </a:xfrm>
+          <a:prstGeom prst="rect">
+            <a:avLst/>
+          </a:prstGeom>
+          <a:noFill/>
+        </p:spPr>
+        <p:txBody>
+          <a:bodyPr wrap="none" rtlCol="0">
+            <a:spAutoFit/>
+          </a:bodyPr>
+          <a:lstStyle/>
+          <a:p>
+            <a:pPr algn="l"/>
+            <a:r>
+              <a:rPr lang="en-US" dirty="0" smtClean="0">
+                <a:latin typeface="Arial" panose="020B0604020202020204" pitchFamily="34" charset="0"/>
+                <a:cs typeface="Arial" panose="020B0604020202020204" pitchFamily="34" charset="0"/>
+              </a:rPr>
+              <a:t>Politics, Genomics, </a:t>
+            </a:r>
+            <a:r>
+              <a:rPr lang="en-US" smtClean="0">
+                <a:latin typeface="Arial" panose="020B0604020202020204" pitchFamily="34" charset="0"/>
+                <a:cs typeface="Arial" panose="020B0604020202020204" pitchFamily="34" charset="0"/>
+              </a:rPr>
+              <a:t>Network monitoring, </a:t>
+            </a:r>
+            <a:r>
+              <a:rPr lang="en-US" dirty="0" err="1" smtClean="0">
+                <a:latin typeface="Arial" panose="020B0604020202020204" pitchFamily="34" charset="0"/>
+                <a:cs typeface="Arial" panose="020B0604020202020204" pitchFamily="34" charset="0"/>
+              </a:rPr>
+              <a:t>etc</a:t>
+            </a:r>
+            <a:endParaRPr lang="en-US" dirty="0" smtClean="0">
+              <a:latin typeface="Arial" panose="020B0604020202020204" pitchFamily="34" charset="0"/>
+              <a:cs typeface="Arial" panose="020B0604020202020204" pitchFamily="34" charset="0"/>
+            </a:endParaRPr>
+          </a:p>
+        </p:txBody>
+      </p:sp>
+      <p:sp>
+        <p:nvSpPr>
+          <p:cNvPr id="6" name="TextBox 5"/>
+          <p:cNvSpPr txBox="1"/>
+          <p:nvPr/>
+        </p:nvSpPr>
+        <p:spPr>
+          <a:xfrm>
+            <a:off x="6719198" y="2778372"/>
+            <a:ext cx="4524190" cy="646331"/>
+          </a:xfrm>
+          <a:prstGeom prst="rect">
+            <a:avLst/>
+          </a:prstGeom>
+          <a:noFill/>
+        </p:spPr>
+        <p:txBody>
+          <a:bodyPr wrap="square" rtlCol="0">
+            <a:spAutoFit/>
+          </a:bodyPr>
+          <a:lstStyle/>
+          <a:p>
+            <a:pPr algn="l"/>
+            <a:r>
+              <a:rPr lang="en-US" dirty="0" smtClean="0">
+                <a:latin typeface="Arial" panose="020B0604020202020204" pitchFamily="34" charset="0"/>
+                <a:cs typeface="Arial" panose="020B0604020202020204" pitchFamily="34" charset="0"/>
+              </a:rPr>
+              <a:t>What’s the goal?  What data is needed? Talk to users!</a:t>
+            </a:r>
+            <a:endParaRPr lang="en-US" dirty="0" smtClean="0">
+              <a:latin typeface="Arial" panose="020B0604020202020204" pitchFamily="34" charset="0"/>
+              <a:cs typeface="Arial" panose="020B0604020202020204" pitchFamily="34" charset="0"/>
+            </a:endParaRPr>
+          </a:p>
+        </p:txBody>
+      </p:sp>
+      <p:sp>
+        <p:nvSpPr>
+          <p:cNvPr id="7" name="TextBox 6"/>
+          <p:cNvSpPr txBox="1"/>
+          <p:nvPr/>
+        </p:nvSpPr>
+        <p:spPr>
+          <a:xfrm>
+            <a:off x="6712786" y="3563332"/>
+            <a:ext cx="4647426" cy="646331"/>
+          </a:xfrm>
+          <a:prstGeom prst="rect">
+            <a:avLst/>
+          </a:prstGeom>
+          <a:noFill/>
+        </p:spPr>
+        <p:txBody>
+          <a:bodyPr wrap="none" rtlCol="0">
+            <a:spAutoFit/>
+          </a:bodyPr>
+          <a:lstStyle/>
+          <a:p>
+            <a:pPr algn="l"/>
+            <a:r>
+              <a:rPr lang="en-US" dirty="0" smtClean="0">
+                <a:latin typeface="Arial" panose="020B0604020202020204" pitchFamily="34" charset="0"/>
+                <a:cs typeface="Arial" panose="020B0604020202020204" pitchFamily="34" charset="0"/>
+              </a:rPr>
+              <a:t>Word tree, statistical graphic, </a:t>
+            </a:r>
+            <a:r>
+              <a:rPr lang="en-US" dirty="0" err="1" smtClean="0">
+                <a:latin typeface="Arial" panose="020B0604020202020204" pitchFamily="34" charset="0"/>
+                <a:cs typeface="Arial" panose="020B0604020202020204" pitchFamily="34" charset="0"/>
+              </a:rPr>
+              <a:t>etc</a:t>
+            </a:r>
+            <a:endParaRPr lang="en-US" dirty="0" smtClean="0">
+              <a:latin typeface="Arial" panose="020B0604020202020204" pitchFamily="34" charset="0"/>
+              <a:cs typeface="Arial" panose="020B0604020202020204" pitchFamily="34" charset="0"/>
+            </a:endParaRPr>
+          </a:p>
+          <a:p>
+            <a:pPr algn="l"/>
+            <a:r>
+              <a:rPr lang="en-US" dirty="0" smtClean="0">
+                <a:latin typeface="Arial" panose="020B0604020202020204" pitchFamily="34" charset="0"/>
+                <a:cs typeface="Arial" panose="020B0604020202020204" pitchFamily="34" charset="0"/>
+              </a:rPr>
+              <a:t>Considers perceptual/design issues </a:t>
+            </a:r>
+            <a:r>
+              <a:rPr lang="en-US" i="1" dirty="0" smtClean="0">
+                <a:latin typeface="Arial" panose="020B0604020202020204" pitchFamily="34" charset="0"/>
+                <a:cs typeface="Arial" panose="020B0604020202020204" pitchFamily="34" charset="0"/>
+              </a:rPr>
+              <a:t>for task</a:t>
+            </a:r>
+            <a:endParaRPr lang="en-US" i="1" dirty="0" smtClean="0">
+              <a:latin typeface="Arial" panose="020B0604020202020204" pitchFamily="34" charset="0"/>
+              <a:cs typeface="Arial" panose="020B0604020202020204" pitchFamily="34" charset="0"/>
+            </a:endParaRPr>
+          </a:p>
+        </p:txBody>
+      </p:sp>
+      <p:sp>
+        <p:nvSpPr>
+          <p:cNvPr id="8" name="TextBox 7"/>
+          <p:cNvSpPr txBox="1"/>
+          <p:nvPr/>
+        </p:nvSpPr>
+        <p:spPr>
+          <a:xfrm>
+            <a:off x="6712786" y="4378686"/>
+            <a:ext cx="3300904" cy="369332"/>
+          </a:xfrm>
+          <a:prstGeom prst="rect">
+            <a:avLst/>
+          </a:prstGeom>
+          <a:noFill/>
+        </p:spPr>
+        <p:txBody>
+          <a:bodyPr wrap="none" rtlCol="0">
+            <a:spAutoFit/>
+          </a:bodyPr>
+          <a:lstStyle/>
+          <a:p>
+            <a:pPr algn="l"/>
+            <a:r>
+              <a:rPr lang="en-US" smtClean="0">
+                <a:latin typeface="Arial" panose="020B0604020202020204" pitchFamily="34" charset="0"/>
+                <a:cs typeface="Arial" panose="020B0604020202020204" pitchFamily="34" charset="0"/>
+              </a:rPr>
+              <a:t>Computation and performance</a:t>
+            </a:r>
+            <a:endParaRPr lang="en-US" dirty="0" smtClean="0">
+              <a:latin typeface="Arial" panose="020B0604020202020204" pitchFamily="34" charset="0"/>
+              <a:cs typeface="Arial" panose="020B0604020202020204" pitchFamily="34" charset="0"/>
+            </a:endParaRPr>
+          </a:p>
+        </p:txBody>
+      </p:sp>
     </p:spTree>
     <p:extLst>
       <p:ext uri="{BB962C8B-B14F-4D97-AF65-F5344CB8AC3E}">
-        <p14:creationId xmlns:p14="http://schemas.microsoft.com/office/powerpoint/2010/main" val="2109098800"/>
+        <p14:creationId xmlns:p14="http://schemas.microsoft.com/office/powerpoint/2010/main" val="1871859971"/>
       </p:ext>
     </p:extLst>
   </p:cSld>
@@ -4052,46 +4980,8 @@
           <a:lstStyle/>
           <a:p>
             <a:r>
-              <a:rPr lang="en-US" dirty="0" err="1" smtClean="0"/>
-              <a:t>Administrivia</a:t>
-            </a:r>
-            <a:endParaRPr lang="en-US" dirty="0"/>
-          </a:p>
-        </p:txBody>
-      </p:sp>
-      <p:sp>
-        <p:nvSpPr>
-          <p:cNvPr id="3" name="Content Placeholder 2"/>
-          <p:cNvSpPr>
-            <a:spLocks noGrp="1"/>
-          </p:cNvSpPr>
-          <p:nvPr>
-            <p:ph idx="1"/>
-          </p:nvPr>
-        </p:nvSpPr>
-        <p:spPr/>
-        <p:txBody>
-          <a:bodyPr/>
-          <a:lstStyle/>
-          <a:p>
-            <a:pPr marL="0" indent="0">
-              <a:buNone/>
-            </a:pPr>
-            <a:r>
               <a:rPr lang="en-US" dirty="0" smtClean="0"/>
-              <a:t>Resources</a:t>
-            </a:r>
-          </a:p>
-          <a:p>
-            <a:r>
-              <a:rPr lang="en-US" dirty="0" smtClean="0"/>
-              <a:t>related work sections, survey papers</a:t>
-            </a:r>
-          </a:p>
-          <a:p>
-            <a:r>
-              <a:rPr lang="en-US" dirty="0" smtClean="0"/>
-              <a:t>staff can help seed your search</a:t>
+              <a:t>Chapter  4: The Nested Model</a:t>
             </a:r>
             <a:endParaRPr lang="en-US" dirty="0"/>
           </a:p>
@@ -4099,32 +4989,191 @@
       </p:sp>
       <p:pic>
         <p:nvPicPr>
-          <p:cNvPr id="5" name="Picture 4"/>
+          <p:cNvPr id="4" name="Content Placeholder 3"/>
           <p:cNvPicPr>
-            <a:picLocks noChangeAspect="1"/>
+            <a:picLocks noGrp="1" noChangeAspect="1"/>
           </p:cNvPicPr>
-          <p:nvPr/>
+          <p:nvPr>
+            <p:ph idx="1"/>
+          </p:nvPr>
         </p:nvPicPr>
         <p:blipFill>
-          <a:blip r:embed="rId2"/>
+          <a:blip r:embed="rId3"/>
           <a:stretch>
             <a:fillRect/>
           </a:stretch>
         </p:blipFill>
         <p:spPr>
           <a:xfrm>
-            <a:off x="3196453" y="3510675"/>
-            <a:ext cx="5799094" cy="3347325"/>
+            <a:off x="77442" y="1778972"/>
+            <a:ext cx="6264635" cy="4351338"/>
           </a:xfrm>
           <a:prstGeom prst="rect">
             <a:avLst/>
           </a:prstGeom>
         </p:spPr>
       </p:pic>
+      <p:sp>
+        <p:nvSpPr>
+          <p:cNvPr id="5" name="TextBox 4"/>
+          <p:cNvSpPr txBox="1"/>
+          <p:nvPr/>
+        </p:nvSpPr>
+        <p:spPr>
+          <a:xfrm>
+            <a:off x="6719198" y="2136710"/>
+            <a:ext cx="4668907" cy="369332"/>
+          </a:xfrm>
+          <a:prstGeom prst="rect">
+            <a:avLst/>
+          </a:prstGeom>
+          <a:noFill/>
+        </p:spPr>
+        <p:txBody>
+          <a:bodyPr wrap="none" rtlCol="0">
+            <a:spAutoFit/>
+          </a:bodyPr>
+          <a:lstStyle/>
+          <a:p>
+            <a:r>
+              <a:rPr lang="en-US" dirty="0">
+                <a:latin typeface="Arial" panose="020B0604020202020204" pitchFamily="34" charset="0"/>
+                <a:cs typeface="Arial" panose="020B0604020202020204" pitchFamily="34" charset="0"/>
+              </a:rPr>
+              <a:t>Wrong problem.  </a:t>
+            </a:r>
+            <a:r>
+              <a:rPr lang="en-US" dirty="0" smtClean="0">
+                <a:latin typeface="Arial" panose="020B0604020202020204" pitchFamily="34" charset="0"/>
+                <a:cs typeface="Arial" panose="020B0604020202020204" pitchFamily="34" charset="0"/>
+              </a:rPr>
+              <a:t>Misunderstood </a:t>
+            </a:r>
+            <a:r>
+              <a:rPr lang="en-US" dirty="0">
+                <a:latin typeface="Arial" panose="020B0604020202020204" pitchFamily="34" charset="0"/>
+                <a:cs typeface="Arial" panose="020B0604020202020204" pitchFamily="34" charset="0"/>
+              </a:rPr>
+              <a:t>user needs</a:t>
+            </a:r>
+          </a:p>
+        </p:txBody>
+      </p:sp>
+      <p:sp>
+        <p:nvSpPr>
+          <p:cNvPr id="6" name="TextBox 5"/>
+          <p:cNvSpPr txBox="1"/>
+          <p:nvPr/>
+        </p:nvSpPr>
+        <p:spPr>
+          <a:xfrm>
+            <a:off x="6719198" y="2910349"/>
+            <a:ext cx="5073734" cy="369332"/>
+          </a:xfrm>
+          <a:prstGeom prst="rect">
+            <a:avLst/>
+          </a:prstGeom>
+          <a:noFill/>
+        </p:spPr>
+        <p:txBody>
+          <a:bodyPr wrap="square" rtlCol="0">
+            <a:spAutoFit/>
+          </a:bodyPr>
+          <a:lstStyle/>
+          <a:p>
+            <a:pPr algn="l"/>
+            <a:r>
+              <a:rPr lang="en-US" dirty="0" smtClean="0">
+                <a:latin typeface="Arial" panose="020B0604020202020204" pitchFamily="34" charset="0"/>
+                <a:cs typeface="Arial" panose="020B0604020202020204" pitchFamily="34" charset="0"/>
+              </a:rPr>
+              <a:t>Wrong abstraction.  Showing the wrong thing</a:t>
+            </a:r>
+            <a:endParaRPr lang="en-US" dirty="0" smtClean="0">
+              <a:latin typeface="Arial" panose="020B0604020202020204" pitchFamily="34" charset="0"/>
+              <a:cs typeface="Arial" panose="020B0604020202020204" pitchFamily="34" charset="0"/>
+            </a:endParaRPr>
+          </a:p>
+        </p:txBody>
+      </p:sp>
+      <p:sp>
+        <p:nvSpPr>
+          <p:cNvPr id="7" name="TextBox 6"/>
+          <p:cNvSpPr txBox="1"/>
+          <p:nvPr/>
+        </p:nvSpPr>
+        <p:spPr>
+          <a:xfrm>
+            <a:off x="6712786" y="3638748"/>
+            <a:ext cx="3758401" cy="369332"/>
+          </a:xfrm>
+          <a:prstGeom prst="rect">
+            <a:avLst/>
+          </a:prstGeom>
+          <a:noFill/>
+        </p:spPr>
+        <p:txBody>
+          <a:bodyPr wrap="none" rtlCol="0">
+            <a:spAutoFit/>
+          </a:bodyPr>
+          <a:lstStyle/>
+          <a:p>
+            <a:pPr algn="l"/>
+            <a:r>
+              <a:rPr lang="en-US" dirty="0" smtClean="0">
+                <a:latin typeface="Arial" panose="020B0604020202020204" pitchFamily="34" charset="0"/>
+                <a:cs typeface="Arial" panose="020B0604020202020204" pitchFamily="34" charset="0"/>
+              </a:rPr>
+              <a:t>The way to show data is ineffective</a:t>
+            </a:r>
+            <a:endParaRPr lang="en-US" i="1" dirty="0" smtClean="0">
+              <a:latin typeface="Arial" panose="020B0604020202020204" pitchFamily="34" charset="0"/>
+              <a:cs typeface="Arial" panose="020B0604020202020204" pitchFamily="34" charset="0"/>
+            </a:endParaRPr>
+          </a:p>
+        </p:txBody>
+      </p:sp>
+      <p:sp>
+        <p:nvSpPr>
+          <p:cNvPr id="8" name="TextBox 7"/>
+          <p:cNvSpPr txBox="1"/>
+          <p:nvPr/>
+        </p:nvSpPr>
+        <p:spPr>
+          <a:xfrm>
+            <a:off x="6712786" y="4331551"/>
+            <a:ext cx="2185214" cy="369332"/>
+          </a:xfrm>
+          <a:prstGeom prst="rect">
+            <a:avLst/>
+          </a:prstGeom>
+          <a:noFill/>
+        </p:spPr>
+        <p:txBody>
+          <a:bodyPr wrap="none" rtlCol="0">
+            <a:spAutoFit/>
+          </a:bodyPr>
+          <a:lstStyle/>
+          <a:p>
+            <a:pPr algn="l"/>
+            <a:r>
+              <a:rPr lang="en-US" dirty="0" smtClean="0">
+                <a:latin typeface="Arial" panose="020B0604020202020204" pitchFamily="34" charset="0"/>
+                <a:cs typeface="Arial" panose="020B0604020202020204" pitchFamily="34" charset="0"/>
+              </a:rPr>
+              <a:t>Code is slow/buggy</a:t>
+            </a:r>
+            <a:endParaRPr lang="en-US" dirty="0" smtClean="0">
+              <a:latin typeface="Arial" panose="020B0604020202020204" pitchFamily="34" charset="0"/>
+              <a:cs typeface="Arial" panose="020B0604020202020204" pitchFamily="34" charset="0"/>
+            </a:endParaRPr>
+          </a:p>
+        </p:txBody>
+      </p:sp>
     </p:spTree>
     <p:extLst>
       <p:ext uri="{BB962C8B-B14F-4D97-AF65-F5344CB8AC3E}">
-        <p14:creationId xmlns:p14="http://schemas.microsoft.com/office/powerpoint/2010/main" val="1940041444"/>
+        <p14:creationId xmlns:p14="http://schemas.microsoft.com/office/powerpoint/2010/main" val="1192279575"/>
       </p:ext>
     </p:extLst>
   </p:cSld>
@@ -4153,78 +5202,57 @@
       </p:grpSpPr>
       <p:sp>
         <p:nvSpPr>
-          <p:cNvPr id="2" name="Title 1">
-            <a:extLst>
-              <a:ext uri="{FF2B5EF4-FFF2-40B4-BE49-F238E27FC236}">
-                <a16:creationId xmlns:a16="http://schemas.microsoft.com/office/drawing/2014/main" xmlns="" id="{72B34815-B868-1D40-B92E-1421E4470013}"/>
-              </a:ext>
-            </a:extLst>
-          </p:cNvPr>
-          <p:cNvSpPr>
-            <a:spLocks noGrp="1"/>
-          </p:cNvSpPr>
-          <p:nvPr>
-            <p:ph type="title"/>
-          </p:nvPr>
-        </p:nvSpPr>
-        <p:spPr/>
-        <p:txBody>
-          <a:bodyPr/>
-          <a:lstStyle/>
-          <a:p>
-            <a:r>
-              <a:rPr lang="en-US" dirty="0"/>
-              <a:t>Administrivia</a:t>
-            </a:r>
-          </a:p>
-        </p:txBody>
-      </p:sp>
-      <p:sp>
-        <p:nvSpPr>
-          <p:cNvPr id="3" name="Content Placeholder 2">
-            <a:extLst>
-              <a:ext uri="{FF2B5EF4-FFF2-40B4-BE49-F238E27FC236}">
-                <a16:creationId xmlns:a16="http://schemas.microsoft.com/office/drawing/2014/main" xmlns="" id="{13424CF6-9A1F-3D41-BE80-CCA21E429716}"/>
-              </a:ext>
-            </a:extLst>
-          </p:cNvPr>
-          <p:cNvSpPr>
-            <a:spLocks noGrp="1"/>
-          </p:cNvSpPr>
-          <p:nvPr>
-            <p:ph idx="1"/>
-          </p:nvPr>
-        </p:nvSpPr>
-        <p:spPr/>
-        <p:txBody>
-          <a:bodyPr/>
-          <a:lstStyle/>
-          <a:p>
-            <a:pPr marL="0" indent="0">
-              <a:buNone/>
-            </a:pPr>
-            <a:r>
-              <a:rPr lang="en-US" dirty="0"/>
-              <a:t>A1 </a:t>
-            </a:r>
+          <p:cNvPr id="4" name="Title 3"/>
+          <p:cNvSpPr>
+            <a:spLocks noGrp="1"/>
+          </p:cNvSpPr>
+          <p:nvPr>
+            <p:ph type="ctrTitle"/>
+          </p:nvPr>
+        </p:nvSpPr>
+        <p:spPr/>
+        <p:txBody>
+          <a:bodyPr/>
+          <a:lstStyle/>
+          <a:p>
             <a:r>
               <a:rPr lang="en-US" dirty="0" smtClean="0"/>
-              <a:t>grades released</a:t>
+              <a:t>Comparison Paper</a:t>
+            </a:r>
+            <a:br>
+              <a:rPr lang="en-US" dirty="0" smtClean="0"/>
+            </a:br>
+            <a:r>
+              <a:rPr lang="en-US" dirty="0" smtClean="0"/>
+              <a:t>Discussion</a:t>
             </a:r>
             <a:endParaRPr lang="en-US" dirty="0"/>
           </a:p>
-          <a:p>
-            <a:pPr marL="0" indent="0">
-              <a:buNone/>
-            </a:pPr>
-            <a:endParaRPr lang="en-US" dirty="0"/>
+        </p:txBody>
+      </p:sp>
+      <p:sp>
+        <p:nvSpPr>
+          <p:cNvPr id="5" name="Subtitle 4"/>
+          <p:cNvSpPr>
+            <a:spLocks noGrp="1"/>
+          </p:cNvSpPr>
+          <p:nvPr>
+            <p:ph type="subTitle" idx="1"/>
+          </p:nvPr>
+        </p:nvSpPr>
+        <p:spPr/>
+        <p:txBody>
+          <a:bodyPr/>
+          <a:lstStyle/>
+          <a:p>
+            <a:endParaRPr lang="en-US"/>
           </a:p>
         </p:txBody>
       </p:sp>
     </p:spTree>
     <p:extLst>
       <p:ext uri="{BB962C8B-B14F-4D97-AF65-F5344CB8AC3E}">
-        <p14:creationId xmlns:p14="http://schemas.microsoft.com/office/powerpoint/2010/main" val="2623074146"/>
+        <p14:creationId xmlns:p14="http://schemas.microsoft.com/office/powerpoint/2010/main" val="1392863167"/>
       </p:ext>
     </p:extLst>
   </p:cSld>
@@ -4266,45 +5294,170 @@
           <a:bodyPr/>
           <a:lstStyle/>
           <a:p>
+            <a:endParaRPr lang="en-US"/>
+          </a:p>
+        </p:txBody>
+      </p:sp>
+      <p:sp>
+        <p:nvSpPr>
+          <p:cNvPr id="3" name="Content Placeholder 2"/>
+          <p:cNvSpPr>
+            <a:spLocks noGrp="1"/>
+          </p:cNvSpPr>
+          <p:nvPr>
+            <p:ph idx="1"/>
+          </p:nvPr>
+        </p:nvSpPr>
+        <p:spPr>
+          <a:xfrm>
+            <a:off x="8173039" y="2546391"/>
+            <a:ext cx="3180762" cy="1765219"/>
+          </a:xfrm>
+        </p:spPr>
+        <p:txBody>
+          <a:bodyPr/>
+          <a:lstStyle/>
+          <a:p>
             <a:r>
               <a:rPr lang="en-US" dirty="0" smtClean="0"/>
-              <a:t>Comparison </a:t>
-            </a:r>
+              <a:t>Targets?</a:t>
+            </a:r>
+          </a:p>
+          <a:p>
             <a:r>
               <a:rPr lang="en-US" dirty="0" smtClean="0"/>
-              <a:t>Paper </a:t>
-            </a:r>
+              <a:t>Actions?</a:t>
+            </a:r>
+          </a:p>
+          <a:p>
             <a:r>
               <a:rPr lang="en-US" dirty="0" smtClean="0"/>
-              <a:t>Discussion</a:t>
+              <a:t>Naming?</a:t>
             </a:r>
             <a:endParaRPr lang="en-US" dirty="0"/>
           </a:p>
         </p:txBody>
       </p:sp>
-      <p:sp>
-        <p:nvSpPr>
-          <p:cNvPr id="3" name="Content Placeholder 2"/>
-          <p:cNvSpPr>
-            <a:spLocks noGrp="1"/>
-          </p:cNvSpPr>
-          <p:nvPr>
-            <p:ph idx="1"/>
-          </p:nvPr>
-        </p:nvSpPr>
-        <p:spPr/>
-        <p:txBody>
-          <a:bodyPr/>
-          <a:lstStyle/>
-          <a:p>
-            <a:endParaRPr lang="en-US" dirty="0"/>
-          </a:p>
-        </p:txBody>
-      </p:sp>
+      <p:pic>
+        <p:nvPicPr>
+          <p:cNvPr id="5" name="Picture 4"/>
+          <p:cNvPicPr>
+            <a:picLocks noChangeAspect="1"/>
+          </p:cNvPicPr>
+          <p:nvPr/>
+        </p:nvPicPr>
+        <p:blipFill>
+          <a:blip r:embed="rId2"/>
+          <a:stretch>
+            <a:fillRect/>
+          </a:stretch>
+        </p:blipFill>
+        <p:spPr>
+          <a:xfrm>
+            <a:off x="197331" y="1592418"/>
+            <a:ext cx="7355918" cy="3673164"/>
+          </a:xfrm>
+          <a:prstGeom prst="rect">
+            <a:avLst/>
+          </a:prstGeom>
+        </p:spPr>
+      </p:pic>
     </p:spTree>
     <p:extLst>
       <p:ext uri="{BB962C8B-B14F-4D97-AF65-F5344CB8AC3E}">
-        <p14:creationId xmlns:p14="http://schemas.microsoft.com/office/powerpoint/2010/main" val="2085227110"/>
+        <p14:creationId xmlns:p14="http://schemas.microsoft.com/office/powerpoint/2010/main" val="1828156041"/>
+      </p:ext>
+    </p:extLst>
+  </p:cSld>
+  <p:clrMapOvr>
+    <a:masterClrMapping/>
+  </p:clrMapOvr>
+</p:sld>
+</file>
+
+<file path=ppt/slides/slide9.xml><?xml version="1.0" encoding="utf-8"?>
+<p:sld xmlns:a="http://schemas.openxmlformats.org/drawingml/2006/main" xmlns:r="http://schemas.openxmlformats.org/officeDocument/2006/relationships" xmlns:p="http://schemas.openxmlformats.org/presentationml/2006/main">
+  <p:cSld>
+    <p:spTree>
+      <p:nvGrpSpPr>
+        <p:cNvPr id="1" name=""/>
+        <p:cNvGrpSpPr/>
+        <p:nvPr/>
+      </p:nvGrpSpPr>
+      <p:grpSpPr>
+        <a:xfrm>
+          <a:off x="0" y="0"/>
+          <a:ext cx="0" cy="0"/>
+          <a:chOff x="0" y="0"/>
+          <a:chExt cx="0" cy="0"/>
+        </a:xfrm>
+      </p:grpSpPr>
+      <p:sp>
+        <p:nvSpPr>
+          <p:cNvPr id="2" name="Title 1"/>
+          <p:cNvSpPr>
+            <a:spLocks noGrp="1"/>
+          </p:cNvSpPr>
+          <p:nvPr>
+            <p:ph type="title"/>
+          </p:nvPr>
+        </p:nvSpPr>
+        <p:spPr/>
+        <p:txBody>
+          <a:bodyPr/>
+          <a:lstStyle/>
+          <a:p>
+            <a:endParaRPr lang="en-US"/>
+          </a:p>
+        </p:txBody>
+      </p:sp>
+      <p:sp>
+        <p:nvSpPr>
+          <p:cNvPr id="3" name="Content Placeholder 2"/>
+          <p:cNvSpPr>
+            <a:spLocks noGrp="1"/>
+          </p:cNvSpPr>
+          <p:nvPr>
+            <p:ph idx="1"/>
+          </p:nvPr>
+        </p:nvSpPr>
+        <p:spPr/>
+        <p:txBody>
+          <a:bodyPr/>
+          <a:lstStyle/>
+          <a:p>
+            <a:endParaRPr lang="en-US"/>
+          </a:p>
+        </p:txBody>
+      </p:sp>
+      <p:pic>
+        <p:nvPicPr>
+          <p:cNvPr id="4" name="Picture 3"/>
+          <p:cNvPicPr>
+            <a:picLocks noChangeAspect="1"/>
+          </p:cNvPicPr>
+          <p:nvPr/>
+        </p:nvPicPr>
+        <p:blipFill>
+          <a:blip r:embed="rId2"/>
+          <a:stretch>
+            <a:fillRect/>
+          </a:stretch>
+        </p:blipFill>
+        <p:spPr>
+          <a:xfrm>
+            <a:off x="2317750" y="628650"/>
+            <a:ext cx="7556500" cy="5600700"/>
+          </a:xfrm>
+          <a:prstGeom prst="rect">
+            <a:avLst/>
+          </a:prstGeom>
+        </p:spPr>
+      </p:pic>
+    </p:spTree>
+    <p:extLst>
+      <p:ext uri="{BB962C8B-B14F-4D97-AF65-F5344CB8AC3E}">
+        <p14:creationId xmlns:p14="http://schemas.microsoft.com/office/powerpoint/2010/main" val="1120854109"/>
       </p:ext>
     </p:extLst>
   </p:cSld>
@@ -4683,7 +5836,268 @@
   <a:extraClrSchemeLst/>
   <a:extLst>
     <a:ext uri="{05A4C25C-085E-4340-85A3-A5531E510DB2}">
-      <thm15:themeFamily xmlns:thm15="http://schemas.microsoft.com/office/thememl/2012/main" name="Presentation1" id="{BF154AC3-A815-BE40-B629-2D5252A9E010}" vid="{FBB58635-D6C2-9549-8DC4-70725DB0CA75}"/>
+      <thm15:themeFamily xmlns:thm15="http://schemas.microsoft.com/office/thememl/2012/main" name="Presentation2" id="{976FE474-46EB-6946-876D-D8BC201D4317}" vid="{19A46F66-2262-FE45-B7D5-9E63F8255A27}"/>
+    </a:ext>
+  </a:extLst>
+</a:theme>
+</file>
+
+<file path=ppt/theme/theme2.xml><?xml version="1.0" encoding="utf-8"?>
+<a:theme xmlns:a="http://schemas.openxmlformats.org/drawingml/2006/main" name="Office Theme">
+  <a:themeElements>
+    <a:clrScheme name="Office">
+      <a:dk1>
+        <a:sysClr val="windowText" lastClr="000000"/>
+      </a:dk1>
+      <a:lt1>
+        <a:sysClr val="window" lastClr="FFFFFF"/>
+      </a:lt1>
+      <a:dk2>
+        <a:srgbClr val="44546A"/>
+      </a:dk2>
+      <a:lt2>
+        <a:srgbClr val="E7E6E6"/>
+      </a:lt2>
+      <a:accent1>
+        <a:srgbClr val="5B9BD5"/>
+      </a:accent1>
+      <a:accent2>
+        <a:srgbClr val="ED7D31"/>
+      </a:accent2>
+      <a:accent3>
+        <a:srgbClr val="A5A5A5"/>
+      </a:accent3>
+      <a:accent4>
+        <a:srgbClr val="FFC000"/>
+      </a:accent4>
+      <a:accent5>
+        <a:srgbClr val="4472C4"/>
+      </a:accent5>
+      <a:accent6>
+        <a:srgbClr val="70AD47"/>
+      </a:accent6>
+      <a:hlink>
+        <a:srgbClr val="0563C1"/>
+      </a:hlink>
+      <a:folHlink>
+        <a:srgbClr val="954F72"/>
+      </a:folHlink>
+    </a:clrScheme>
+    <a:fontScheme name="Office">
+      <a:majorFont>
+        <a:latin typeface="Calibri Light" panose="020F0302020204030204"/>
+        <a:ea typeface=""/>
+        <a:cs typeface=""/>
+        <a:font script="Jpan" typeface="Yu Gothic Light"/>
+        <a:font script="Hang" typeface="맑은 고딕"/>
+        <a:font script="Hans" typeface="DengXian Light"/>
+        <a:font script="Hant" typeface="新細明體"/>
+        <a:font script="Arab" typeface="Times New Roman"/>
+        <a:font script="Hebr" typeface="Times New Roman"/>
+        <a:font script="Thai" typeface="Angsana New"/>
+        <a:font script="Ethi" typeface="Nyala"/>
+        <a:font script="Beng" typeface="Vrinda"/>
+        <a:font script="Gujr" typeface="Shruti"/>
+        <a:font script="Khmr" typeface="MoolBoran"/>
+        <a:font script="Knda" typeface="Tunga"/>
+        <a:font script="Guru" typeface="Raavi"/>
+        <a:font script="Cans" typeface="Euphemia"/>
+        <a:font script="Cher" typeface="Plantagenet Cherokee"/>
+        <a:font script="Yiii" typeface="Microsoft Yi Baiti"/>
+        <a:font script="Tibt" typeface="Microsoft Himalaya"/>
+        <a:font script="Thaa" typeface="MV Boli"/>
+        <a:font script="Deva" typeface="Mangal"/>
+        <a:font script="Telu" typeface="Gautami"/>
+        <a:font script="Taml" typeface="Latha"/>
+        <a:font script="Syrc" typeface="Estrangelo Edessa"/>
+        <a:font script="Orya" typeface="Kalinga"/>
+        <a:font script="Mlym" typeface="Kartika"/>
+        <a:font script="Laoo" typeface="DokChampa"/>
+        <a:font script="Sinh" typeface="Iskoola Pota"/>
+        <a:font script="Mong" typeface="Mongolian Baiti"/>
+        <a:font script="Viet" typeface="Times New Roman"/>
+        <a:font script="Uigh" typeface="Microsoft Uighur"/>
+        <a:font script="Geor" typeface="Sylfaen"/>
+      </a:majorFont>
+      <a:minorFont>
+        <a:latin typeface="Calibri" panose="020F0502020204030204"/>
+        <a:ea typeface=""/>
+        <a:cs typeface=""/>
+        <a:font script="Jpan" typeface="Yu Gothic"/>
+        <a:font script="Hang" typeface="맑은 고딕"/>
+        <a:font script="Hans" typeface="DengXian"/>
+        <a:font script="Hant" typeface="新細明體"/>
+        <a:font script="Arab" typeface="Arial"/>
+        <a:font script="Hebr" typeface="Arial"/>
+        <a:font script="Thai" typeface="Cordia New"/>
+        <a:font script="Ethi" typeface="Nyala"/>
+        <a:font script="Beng" typeface="Vrinda"/>
+        <a:font script="Gujr" typeface="Shruti"/>
+        <a:font script="Khmr" typeface="DaunPenh"/>
+        <a:font script="Knda" typeface="Tunga"/>
+        <a:font script="Guru" typeface="Raavi"/>
+        <a:font script="Cans" typeface="Euphemia"/>
+        <a:font script="Cher" typeface="Plantagenet Cherokee"/>
+        <a:font script="Yiii" typeface="Microsoft Yi Baiti"/>
+        <a:font script="Tibt" typeface="Microsoft Himalaya"/>
+        <a:font script="Thaa" typeface="MV Boli"/>
+        <a:font script="Deva" typeface="Mangal"/>
+        <a:font script="Telu" typeface="Gautami"/>
+        <a:font script="Taml" typeface="Latha"/>
+        <a:font script="Syrc" typeface="Estrangelo Edessa"/>
+        <a:font script="Orya" typeface="Kalinga"/>
+        <a:font script="Mlym" typeface="Kartika"/>
+        <a:font script="Laoo" typeface="DokChampa"/>
+        <a:font script="Sinh" typeface="Iskoola Pota"/>
+        <a:font script="Mong" typeface="Mongolian Baiti"/>
+        <a:font script="Viet" typeface="Arial"/>
+        <a:font script="Uigh" typeface="Microsoft Uighur"/>
+        <a:font script="Geor" typeface="Sylfaen"/>
+      </a:minorFont>
+    </a:fontScheme>
+    <a:fmtScheme name="Office">
+      <a:fillStyleLst>
+        <a:solidFill>
+          <a:schemeClr val="phClr"/>
+        </a:solidFill>
+        <a:gradFill rotWithShape="1">
+          <a:gsLst>
+            <a:gs pos="0">
+              <a:schemeClr val="phClr">
+                <a:lumMod val="110000"/>
+                <a:satMod val="105000"/>
+                <a:tint val="67000"/>
+              </a:schemeClr>
+            </a:gs>
+            <a:gs pos="50000">
+              <a:schemeClr val="phClr">
+                <a:lumMod val="105000"/>
+                <a:satMod val="103000"/>
+                <a:tint val="73000"/>
+              </a:schemeClr>
+            </a:gs>
+            <a:gs pos="100000">
+              <a:schemeClr val="phClr">
+                <a:lumMod val="105000"/>
+                <a:satMod val="109000"/>
+                <a:tint val="81000"/>
+              </a:schemeClr>
+            </a:gs>
+          </a:gsLst>
+          <a:lin ang="5400000" scaled="0"/>
+        </a:gradFill>
+        <a:gradFill rotWithShape="1">
+          <a:gsLst>
+            <a:gs pos="0">
+              <a:schemeClr val="phClr">
+                <a:satMod val="103000"/>
+                <a:lumMod val="102000"/>
+                <a:tint val="94000"/>
+              </a:schemeClr>
+            </a:gs>
+            <a:gs pos="50000">
+              <a:schemeClr val="phClr">
+                <a:satMod val="110000"/>
+                <a:lumMod val="100000"/>
+                <a:shade val="100000"/>
+              </a:schemeClr>
+            </a:gs>
+            <a:gs pos="100000">
+              <a:schemeClr val="phClr">
+                <a:lumMod val="99000"/>
+                <a:satMod val="120000"/>
+                <a:shade val="78000"/>
+              </a:schemeClr>
+            </a:gs>
+          </a:gsLst>
+          <a:lin ang="5400000" scaled="0"/>
+        </a:gradFill>
+      </a:fillStyleLst>
+      <a:lnStyleLst>
+        <a:ln w="6350" cap="flat" cmpd="sng" algn="ctr">
+          <a:solidFill>
+            <a:schemeClr val="phClr"/>
+          </a:solidFill>
+          <a:prstDash val="solid"/>
+          <a:miter lim="800000"/>
+        </a:ln>
+        <a:ln w="12700" cap="flat" cmpd="sng" algn="ctr">
+          <a:solidFill>
+            <a:schemeClr val="phClr"/>
+          </a:solidFill>
+          <a:prstDash val="solid"/>
+          <a:miter lim="800000"/>
+        </a:ln>
+        <a:ln w="19050" cap="flat" cmpd="sng" algn="ctr">
+          <a:solidFill>
+            <a:schemeClr val="phClr"/>
+          </a:solidFill>
+          <a:prstDash val="solid"/>
+          <a:miter lim="800000"/>
+        </a:ln>
+      </a:lnStyleLst>
+      <a:effectStyleLst>
+        <a:effectStyle>
+          <a:effectLst/>
+        </a:effectStyle>
+        <a:effectStyle>
+          <a:effectLst/>
+        </a:effectStyle>
+        <a:effectStyle>
+          <a:effectLst>
+            <a:outerShdw blurRad="57150" dist="19050" dir="5400000" algn="ctr" rotWithShape="0">
+              <a:srgbClr val="000000">
+                <a:alpha val="63000"/>
+              </a:srgbClr>
+            </a:outerShdw>
+          </a:effectLst>
+        </a:effectStyle>
+      </a:effectStyleLst>
+      <a:bgFillStyleLst>
+        <a:solidFill>
+          <a:schemeClr val="phClr"/>
+        </a:solidFill>
+        <a:solidFill>
+          <a:schemeClr val="phClr">
+            <a:tint val="95000"/>
+            <a:satMod val="170000"/>
+          </a:schemeClr>
+        </a:solidFill>
+        <a:gradFill rotWithShape="1">
+          <a:gsLst>
+            <a:gs pos="0">
+              <a:schemeClr val="phClr">
+                <a:tint val="93000"/>
+                <a:satMod val="150000"/>
+                <a:shade val="98000"/>
+                <a:lumMod val="102000"/>
+              </a:schemeClr>
+            </a:gs>
+            <a:gs pos="50000">
+              <a:schemeClr val="phClr">
+                <a:tint val="98000"/>
+                <a:satMod val="130000"/>
+                <a:shade val="90000"/>
+                <a:lumMod val="103000"/>
+              </a:schemeClr>
+            </a:gs>
+            <a:gs pos="100000">
+              <a:schemeClr val="phClr">
+                <a:shade val="63000"/>
+                <a:satMod val="120000"/>
+              </a:schemeClr>
+            </a:gs>
+          </a:gsLst>
+          <a:lin ang="5400000" scaled="0"/>
+        </a:gradFill>
+      </a:bgFillStyleLst>
+    </a:fmtScheme>
+  </a:themeElements>
+  <a:objectDefaults/>
+  <a:extraClrSchemeLst/>
+  <a:extLst>
+    <a:ext uri="{05A4C25C-085E-4340-85A3-A5531E510DB2}">
+      <thm15:themeFamily xmlns:thm15="http://schemas.microsoft.com/office/thememl/2012/main" name="Office Theme" id="{62F939B6-93AF-4DB8-9C6B-D6C7DFDC589F}" vid="{4A3C46E8-61CC-4603-A589-7422A47A8E4A}"/>
     </a:ext>
   </a:extLst>
 </a:theme>
